--- a/downloads/ensembl-extra.pptx
+++ b/downloads/ensembl-extra.pptx
@@ -5,34 +5,39 @@
     <p:sldMasterId id="2147483659" r:id="rId1"/>
   </p:sldMasterIdLst>
   <p:notesMasterIdLst>
-    <p:notesMasterId r:id="rId13"/>
+    <p:notesMasterId r:id="rId18"/>
   </p:notesMasterIdLst>
   <p:sldIdLst>
     <p:sldId id="256" r:id="rId2"/>
-    <p:sldId id="260" r:id="rId3"/>
-    <p:sldId id="261" r:id="rId4"/>
-    <p:sldId id="262" r:id="rId5"/>
-    <p:sldId id="268" r:id="rId6"/>
-    <p:sldId id="301" r:id="rId7"/>
-    <p:sldId id="302" r:id="rId8"/>
-    <p:sldId id="303" r:id="rId9"/>
-    <p:sldId id="304" r:id="rId10"/>
-    <p:sldId id="321" r:id="rId11"/>
-    <p:sldId id="328" r:id="rId12"/>
+    <p:sldId id="259" r:id="rId3"/>
+    <p:sldId id="260" r:id="rId4"/>
+    <p:sldId id="261" r:id="rId5"/>
+    <p:sldId id="262" r:id="rId6"/>
+    <p:sldId id="268" r:id="rId7"/>
+    <p:sldId id="296" r:id="rId8"/>
+    <p:sldId id="297" r:id="rId9"/>
+    <p:sldId id="298" r:id="rId10"/>
+    <p:sldId id="300" r:id="rId11"/>
+    <p:sldId id="301" r:id="rId12"/>
+    <p:sldId id="302" r:id="rId13"/>
+    <p:sldId id="303" r:id="rId14"/>
+    <p:sldId id="304" r:id="rId15"/>
+    <p:sldId id="321" r:id="rId16"/>
+    <p:sldId id="328" r:id="rId17"/>
   </p:sldIdLst>
   <p:sldSz cx="9144000" cy="5143500" type="screen16x9"/>
   <p:notesSz cx="6858000" cy="9144000"/>
   <p:embeddedFontLst>
     <p:embeddedFont>
       <p:font typeface="Roboto" panose="02000000000000000000" pitchFamily="2" charset="0"/>
-      <p:regular r:id="rId14"/>
-      <p:bold r:id="rId15"/>
-      <p:italic r:id="rId16"/>
-      <p:boldItalic r:id="rId17"/>
+      <p:regular r:id="rId19"/>
+      <p:bold r:id="rId20"/>
+      <p:italic r:id="rId21"/>
+      <p:boldItalic r:id="rId22"/>
     </p:embeddedFont>
     <p:embeddedFont>
       <p:font typeface="Ubuntu Condensed" panose="020F0502020204030204" pitchFamily="34" charset="0"/>
-      <p:regular r:id="rId18"/>
+      <p:regular r:id="rId23"/>
     </p:embeddedFont>
   </p:embeddedFontLst>
   <p:defaultTextStyle>
@@ -833,6 +838,526 @@
   <p:cSld>
     <p:spTree>
       <p:nvGrpSpPr>
+        <p:cNvPr id="1" name="Shape 374"/>
+        <p:cNvGrpSpPr/>
+        <p:nvPr/>
+      </p:nvGrpSpPr>
+      <p:grpSpPr>
+        <a:xfrm>
+          <a:off x="0" y="0"/>
+          <a:ext cx="0" cy="0"/>
+          <a:chOff x="0" y="0"/>
+          <a:chExt cx="0" cy="0"/>
+        </a:xfrm>
+      </p:grpSpPr>
+      <p:sp>
+        <p:nvSpPr>
+          <p:cNvPr id="375" name="Google Shape;375;g13fba7b8dc5_0_29:notes"/>
+          <p:cNvSpPr>
+            <a:spLocks noGrp="1" noRot="1" noChangeAspect="1"/>
+          </p:cNvSpPr>
+          <p:nvPr>
+            <p:ph type="sldImg" idx="2"/>
+          </p:nvPr>
+        </p:nvSpPr>
+        <p:spPr>
+          <a:xfrm>
+            <a:off x="381300" y="685800"/>
+            <a:ext cx="6096000" cy="3429000"/>
+          </a:xfrm>
+          <a:custGeom>
+            <a:avLst/>
+            <a:gdLst/>
+            <a:ahLst/>
+            <a:cxnLst/>
+            <a:rect l="l" t="t" r="r" b="b"/>
+            <a:pathLst>
+              <a:path w="120000" h="120000" extrusionOk="0">
+                <a:moveTo>
+                  <a:pt x="0" y="0"/>
+                </a:moveTo>
+                <a:lnTo>
+                  <a:pt x="120000" y="0"/>
+                </a:lnTo>
+                <a:lnTo>
+                  <a:pt x="120000" y="120000"/>
+                </a:lnTo>
+                <a:lnTo>
+                  <a:pt x="0" y="120000"/>
+                </a:lnTo>
+                <a:close/>
+              </a:path>
+            </a:pathLst>
+          </a:custGeom>
+        </p:spPr>
+      </p:sp>
+      <p:sp>
+        <p:nvSpPr>
+          <p:cNvPr id="376" name="Google Shape;376;g13fba7b8dc5_0_29:notes"/>
+          <p:cNvSpPr txBox="1">
+            <a:spLocks noGrp="1"/>
+          </p:cNvSpPr>
+          <p:nvPr>
+            <p:ph type="body" idx="1"/>
+          </p:nvPr>
+        </p:nvSpPr>
+        <p:spPr>
+          <a:xfrm>
+            <a:off x="685800" y="4343400"/>
+            <a:ext cx="5486400" cy="4114800"/>
+          </a:xfrm>
+          <a:prstGeom prst="rect">
+            <a:avLst/>
+          </a:prstGeom>
+        </p:spPr>
+        <p:txBody>
+          <a:bodyPr spcFirstLastPara="1" wrap="square" lIns="91425" tIns="91425" rIns="91425" bIns="91425" anchor="t" anchorCtr="0">
+            <a:noAutofit/>
+          </a:bodyPr>
+          <a:lstStyle/>
+          <a:p>
+            <a:pPr marL="0" lvl="0" indent="0" algn="l" rtl="0">
+              <a:spcBef>
+                <a:spcPts val="0"/>
+              </a:spcBef>
+              <a:spcAft>
+                <a:spcPts val="0"/>
+              </a:spcAft>
+              <a:buNone/>
+            </a:pPr>
+            <a:endParaRPr/>
+          </a:p>
+        </p:txBody>
+      </p:sp>
+    </p:spTree>
+  </p:cSld>
+  <p:clrMapOvr>
+    <a:masterClrMapping/>
+  </p:clrMapOvr>
+</p:notes>
+</file>
+
+<file path=ppt/notesSlides/notesSlide11.xml><?xml version="1.0" encoding="utf-8"?>
+<p:notes xmlns:a="http://schemas.openxmlformats.org/drawingml/2006/main" xmlns:r="http://schemas.openxmlformats.org/officeDocument/2006/relationships" xmlns:p="http://schemas.openxmlformats.org/presentationml/2006/main" showMasterSp="0" showMasterPhAnim="0">
+  <p:cSld>
+    <p:spTree>
+      <p:nvGrpSpPr>
+        <p:cNvPr id="1" name="Shape 380"/>
+        <p:cNvGrpSpPr/>
+        <p:nvPr/>
+      </p:nvGrpSpPr>
+      <p:grpSpPr>
+        <a:xfrm>
+          <a:off x="0" y="0"/>
+          <a:ext cx="0" cy="0"/>
+          <a:chOff x="0" y="0"/>
+          <a:chExt cx="0" cy="0"/>
+        </a:xfrm>
+      </p:grpSpPr>
+      <p:sp>
+        <p:nvSpPr>
+          <p:cNvPr id="381" name="Google Shape;381;g13fba7b8dc5_0_36:notes"/>
+          <p:cNvSpPr>
+            <a:spLocks noGrp="1" noRot="1" noChangeAspect="1"/>
+          </p:cNvSpPr>
+          <p:nvPr>
+            <p:ph type="sldImg" idx="2"/>
+          </p:nvPr>
+        </p:nvSpPr>
+        <p:spPr>
+          <a:xfrm>
+            <a:off x="381300" y="685800"/>
+            <a:ext cx="6096000" cy="3429000"/>
+          </a:xfrm>
+          <a:custGeom>
+            <a:avLst/>
+            <a:gdLst/>
+            <a:ahLst/>
+            <a:cxnLst/>
+            <a:rect l="l" t="t" r="r" b="b"/>
+            <a:pathLst>
+              <a:path w="120000" h="120000" extrusionOk="0">
+                <a:moveTo>
+                  <a:pt x="0" y="0"/>
+                </a:moveTo>
+                <a:lnTo>
+                  <a:pt x="120000" y="0"/>
+                </a:lnTo>
+                <a:lnTo>
+                  <a:pt x="120000" y="120000"/>
+                </a:lnTo>
+                <a:lnTo>
+                  <a:pt x="0" y="120000"/>
+                </a:lnTo>
+                <a:close/>
+              </a:path>
+            </a:pathLst>
+          </a:custGeom>
+        </p:spPr>
+      </p:sp>
+      <p:sp>
+        <p:nvSpPr>
+          <p:cNvPr id="382" name="Google Shape;382;g13fba7b8dc5_0_36:notes"/>
+          <p:cNvSpPr txBox="1">
+            <a:spLocks noGrp="1"/>
+          </p:cNvSpPr>
+          <p:nvPr>
+            <p:ph type="body" idx="1"/>
+          </p:nvPr>
+        </p:nvSpPr>
+        <p:spPr>
+          <a:xfrm>
+            <a:off x="685800" y="4343400"/>
+            <a:ext cx="5486400" cy="4114800"/>
+          </a:xfrm>
+          <a:prstGeom prst="rect">
+            <a:avLst/>
+          </a:prstGeom>
+        </p:spPr>
+        <p:txBody>
+          <a:bodyPr spcFirstLastPara="1" wrap="square" lIns="91425" tIns="91425" rIns="91425" bIns="91425" anchor="t" anchorCtr="0">
+            <a:noAutofit/>
+          </a:bodyPr>
+          <a:lstStyle/>
+          <a:p>
+            <a:pPr marL="0" lvl="0" indent="0" algn="l" rtl="0">
+              <a:spcBef>
+                <a:spcPts val="0"/>
+              </a:spcBef>
+              <a:spcAft>
+                <a:spcPts val="0"/>
+              </a:spcAft>
+              <a:buNone/>
+            </a:pPr>
+            <a:endParaRPr/>
+          </a:p>
+        </p:txBody>
+      </p:sp>
+    </p:spTree>
+  </p:cSld>
+  <p:clrMapOvr>
+    <a:masterClrMapping/>
+  </p:clrMapOvr>
+</p:notes>
+</file>
+
+<file path=ppt/notesSlides/notesSlide12.xml><?xml version="1.0" encoding="utf-8"?>
+<p:notes xmlns:a="http://schemas.openxmlformats.org/drawingml/2006/main" xmlns:r="http://schemas.openxmlformats.org/officeDocument/2006/relationships" xmlns:p="http://schemas.openxmlformats.org/presentationml/2006/main" showMasterSp="0" showMasterPhAnim="0">
+  <p:cSld>
+    <p:spTree>
+      <p:nvGrpSpPr>
+        <p:cNvPr id="1" name="Shape 389"/>
+        <p:cNvGrpSpPr/>
+        <p:nvPr/>
+      </p:nvGrpSpPr>
+      <p:grpSpPr>
+        <a:xfrm>
+          <a:off x="0" y="0"/>
+          <a:ext cx="0" cy="0"/>
+          <a:chOff x="0" y="0"/>
+          <a:chExt cx="0" cy="0"/>
+        </a:xfrm>
+      </p:grpSpPr>
+      <p:sp>
+        <p:nvSpPr>
+          <p:cNvPr id="390" name="Google Shape;390;g13fba7b8dc5_0_45:notes"/>
+          <p:cNvSpPr>
+            <a:spLocks noGrp="1" noRot="1" noChangeAspect="1"/>
+          </p:cNvSpPr>
+          <p:nvPr>
+            <p:ph type="sldImg" idx="2"/>
+          </p:nvPr>
+        </p:nvSpPr>
+        <p:spPr>
+          <a:xfrm>
+            <a:off x="381300" y="685800"/>
+            <a:ext cx="6096000" cy="3429000"/>
+          </a:xfrm>
+          <a:custGeom>
+            <a:avLst/>
+            <a:gdLst/>
+            <a:ahLst/>
+            <a:cxnLst/>
+            <a:rect l="l" t="t" r="r" b="b"/>
+            <a:pathLst>
+              <a:path w="120000" h="120000" extrusionOk="0">
+                <a:moveTo>
+                  <a:pt x="0" y="0"/>
+                </a:moveTo>
+                <a:lnTo>
+                  <a:pt x="120000" y="0"/>
+                </a:lnTo>
+                <a:lnTo>
+                  <a:pt x="120000" y="120000"/>
+                </a:lnTo>
+                <a:lnTo>
+                  <a:pt x="0" y="120000"/>
+                </a:lnTo>
+                <a:close/>
+              </a:path>
+            </a:pathLst>
+          </a:custGeom>
+        </p:spPr>
+      </p:sp>
+      <p:sp>
+        <p:nvSpPr>
+          <p:cNvPr id="391" name="Google Shape;391;g13fba7b8dc5_0_45:notes"/>
+          <p:cNvSpPr txBox="1">
+            <a:spLocks noGrp="1"/>
+          </p:cNvSpPr>
+          <p:nvPr>
+            <p:ph type="body" idx="1"/>
+          </p:nvPr>
+        </p:nvSpPr>
+        <p:spPr>
+          <a:xfrm>
+            <a:off x="685800" y="4343400"/>
+            <a:ext cx="5486400" cy="4114800"/>
+          </a:xfrm>
+          <a:prstGeom prst="rect">
+            <a:avLst/>
+          </a:prstGeom>
+        </p:spPr>
+        <p:txBody>
+          <a:bodyPr spcFirstLastPara="1" wrap="square" lIns="91425" tIns="91425" rIns="91425" bIns="91425" anchor="t" anchorCtr="0">
+            <a:noAutofit/>
+          </a:bodyPr>
+          <a:lstStyle/>
+          <a:p>
+            <a:pPr marL="0" lvl="0" indent="0" algn="l" rtl="0">
+              <a:spcBef>
+                <a:spcPts val="0"/>
+              </a:spcBef>
+              <a:spcAft>
+                <a:spcPts val="0"/>
+              </a:spcAft>
+              <a:buNone/>
+            </a:pPr>
+            <a:endParaRPr/>
+          </a:p>
+        </p:txBody>
+      </p:sp>
+    </p:spTree>
+  </p:cSld>
+  <p:clrMapOvr>
+    <a:masterClrMapping/>
+  </p:clrMapOvr>
+</p:notes>
+</file>
+
+<file path=ppt/notesSlides/notesSlide13.xml><?xml version="1.0" encoding="utf-8"?>
+<p:notes xmlns:a="http://schemas.openxmlformats.org/drawingml/2006/main" xmlns:r="http://schemas.openxmlformats.org/officeDocument/2006/relationships" xmlns:p="http://schemas.openxmlformats.org/presentationml/2006/main" showMasterSp="0" showMasterPhAnim="0">
+  <p:cSld>
+    <p:spTree>
+      <p:nvGrpSpPr>
+        <p:cNvPr id="1" name="Shape 396"/>
+        <p:cNvGrpSpPr/>
+        <p:nvPr/>
+      </p:nvGrpSpPr>
+      <p:grpSpPr>
+        <a:xfrm>
+          <a:off x="0" y="0"/>
+          <a:ext cx="0" cy="0"/>
+          <a:chOff x="0" y="0"/>
+          <a:chExt cx="0" cy="0"/>
+        </a:xfrm>
+      </p:grpSpPr>
+      <p:sp>
+        <p:nvSpPr>
+          <p:cNvPr id="397" name="Google Shape;397;g13fba7b8dc5_0_56:notes"/>
+          <p:cNvSpPr>
+            <a:spLocks noGrp="1" noRot="1" noChangeAspect="1"/>
+          </p:cNvSpPr>
+          <p:nvPr>
+            <p:ph type="sldImg" idx="2"/>
+          </p:nvPr>
+        </p:nvSpPr>
+        <p:spPr>
+          <a:xfrm>
+            <a:off x="381300" y="685800"/>
+            <a:ext cx="6096000" cy="3429000"/>
+          </a:xfrm>
+          <a:custGeom>
+            <a:avLst/>
+            <a:gdLst/>
+            <a:ahLst/>
+            <a:cxnLst/>
+            <a:rect l="l" t="t" r="r" b="b"/>
+            <a:pathLst>
+              <a:path w="120000" h="120000" extrusionOk="0">
+                <a:moveTo>
+                  <a:pt x="0" y="0"/>
+                </a:moveTo>
+                <a:lnTo>
+                  <a:pt x="120000" y="0"/>
+                </a:lnTo>
+                <a:lnTo>
+                  <a:pt x="120000" y="120000"/>
+                </a:lnTo>
+                <a:lnTo>
+                  <a:pt x="0" y="120000"/>
+                </a:lnTo>
+                <a:close/>
+              </a:path>
+            </a:pathLst>
+          </a:custGeom>
+        </p:spPr>
+      </p:sp>
+      <p:sp>
+        <p:nvSpPr>
+          <p:cNvPr id="398" name="Google Shape;398;g13fba7b8dc5_0_56:notes"/>
+          <p:cNvSpPr txBox="1">
+            <a:spLocks noGrp="1"/>
+          </p:cNvSpPr>
+          <p:nvPr>
+            <p:ph type="body" idx="1"/>
+          </p:nvPr>
+        </p:nvSpPr>
+        <p:spPr>
+          <a:xfrm>
+            <a:off x="685800" y="4343400"/>
+            <a:ext cx="5486400" cy="4114800"/>
+          </a:xfrm>
+          <a:prstGeom prst="rect">
+            <a:avLst/>
+          </a:prstGeom>
+        </p:spPr>
+        <p:txBody>
+          <a:bodyPr spcFirstLastPara="1" wrap="square" lIns="91425" tIns="91425" rIns="91425" bIns="91425" anchor="t" anchorCtr="0">
+            <a:noAutofit/>
+          </a:bodyPr>
+          <a:lstStyle/>
+          <a:p>
+            <a:pPr marL="0" lvl="0" indent="0" algn="l" rtl="0">
+              <a:spcBef>
+                <a:spcPts val="0"/>
+              </a:spcBef>
+              <a:spcAft>
+                <a:spcPts val="0"/>
+              </a:spcAft>
+              <a:buNone/>
+            </a:pPr>
+            <a:endParaRPr/>
+          </a:p>
+        </p:txBody>
+      </p:sp>
+    </p:spTree>
+  </p:cSld>
+  <p:clrMapOvr>
+    <a:masterClrMapping/>
+  </p:clrMapOvr>
+</p:notes>
+</file>
+
+<file path=ppt/notesSlides/notesSlide14.xml><?xml version="1.0" encoding="utf-8"?>
+<p:notes xmlns:a="http://schemas.openxmlformats.org/drawingml/2006/main" xmlns:r="http://schemas.openxmlformats.org/officeDocument/2006/relationships" xmlns:p="http://schemas.openxmlformats.org/presentationml/2006/main" showMasterSp="0" showMasterPhAnim="0">
+  <p:cSld>
+    <p:spTree>
+      <p:nvGrpSpPr>
+        <p:cNvPr id="1" name="Shape 404"/>
+        <p:cNvGrpSpPr/>
+        <p:nvPr/>
+      </p:nvGrpSpPr>
+      <p:grpSpPr>
+        <a:xfrm>
+          <a:off x="0" y="0"/>
+          <a:ext cx="0" cy="0"/>
+          <a:chOff x="0" y="0"/>
+          <a:chExt cx="0" cy="0"/>
+        </a:xfrm>
+      </p:grpSpPr>
+      <p:sp>
+        <p:nvSpPr>
+          <p:cNvPr id="405" name="Google Shape;405;g13fba7b8dc5_0_65:notes"/>
+          <p:cNvSpPr>
+            <a:spLocks noGrp="1" noRot="1" noChangeAspect="1"/>
+          </p:cNvSpPr>
+          <p:nvPr>
+            <p:ph type="sldImg" idx="2"/>
+          </p:nvPr>
+        </p:nvSpPr>
+        <p:spPr>
+          <a:xfrm>
+            <a:off x="381300" y="685800"/>
+            <a:ext cx="6096000" cy="3429000"/>
+          </a:xfrm>
+          <a:custGeom>
+            <a:avLst/>
+            <a:gdLst/>
+            <a:ahLst/>
+            <a:cxnLst/>
+            <a:rect l="l" t="t" r="r" b="b"/>
+            <a:pathLst>
+              <a:path w="120000" h="120000" extrusionOk="0">
+                <a:moveTo>
+                  <a:pt x="0" y="0"/>
+                </a:moveTo>
+                <a:lnTo>
+                  <a:pt x="120000" y="0"/>
+                </a:lnTo>
+                <a:lnTo>
+                  <a:pt x="120000" y="120000"/>
+                </a:lnTo>
+                <a:lnTo>
+                  <a:pt x="0" y="120000"/>
+                </a:lnTo>
+                <a:close/>
+              </a:path>
+            </a:pathLst>
+          </a:custGeom>
+        </p:spPr>
+      </p:sp>
+      <p:sp>
+        <p:nvSpPr>
+          <p:cNvPr id="406" name="Google Shape;406;g13fba7b8dc5_0_65:notes"/>
+          <p:cNvSpPr txBox="1">
+            <a:spLocks noGrp="1"/>
+          </p:cNvSpPr>
+          <p:nvPr>
+            <p:ph type="body" idx="1"/>
+          </p:nvPr>
+        </p:nvSpPr>
+        <p:spPr>
+          <a:xfrm>
+            <a:off x="685800" y="4343400"/>
+            <a:ext cx="5486400" cy="4114800"/>
+          </a:xfrm>
+          <a:prstGeom prst="rect">
+            <a:avLst/>
+          </a:prstGeom>
+        </p:spPr>
+        <p:txBody>
+          <a:bodyPr spcFirstLastPara="1" wrap="square" lIns="91425" tIns="91425" rIns="91425" bIns="91425" anchor="t" anchorCtr="0">
+            <a:noAutofit/>
+          </a:bodyPr>
+          <a:lstStyle/>
+          <a:p>
+            <a:pPr marL="0" lvl="0" indent="0" algn="l" rtl="0">
+              <a:spcBef>
+                <a:spcPts val="0"/>
+              </a:spcBef>
+              <a:spcAft>
+                <a:spcPts val="0"/>
+              </a:spcAft>
+              <a:buNone/>
+            </a:pPr>
+            <a:endParaRPr/>
+          </a:p>
+        </p:txBody>
+      </p:sp>
+    </p:spTree>
+  </p:cSld>
+  <p:clrMapOvr>
+    <a:masterClrMapping/>
+  </p:clrMapOvr>
+</p:notes>
+</file>
+
+<file path=ppt/notesSlides/notesSlide15.xml><?xml version="1.0" encoding="utf-8"?>
+<p:notes xmlns:a="http://schemas.openxmlformats.org/drawingml/2006/main" xmlns:r="http://schemas.openxmlformats.org/officeDocument/2006/relationships" xmlns:p="http://schemas.openxmlformats.org/presentationml/2006/main" showMasterSp="0" showMasterPhAnim="0">
+  <p:cSld>
+    <p:spTree>
+      <p:nvGrpSpPr>
         <p:cNvPr id="1" name="Shape 518"/>
         <p:cNvGrpSpPr/>
         <p:nvPr/>
@@ -932,7 +1457,7 @@
 </p:notes>
 </file>
 
-<file path=ppt/notesSlides/notesSlide11.xml><?xml version="1.0" encoding="utf-8"?>
+<file path=ppt/notesSlides/notesSlide16.xml><?xml version="1.0" encoding="utf-8"?>
 <p:notes xmlns:a="http://schemas.openxmlformats.org/drawingml/2006/main" xmlns:r="http://schemas.openxmlformats.org/officeDocument/2006/relationships" xmlns:p="http://schemas.openxmlformats.org/presentationml/2006/main" showMasterSp="0" showMasterPhAnim="0">
   <p:cSld>
     <p:spTree>
@@ -1041,6 +1566,114 @@
   <p:cSld>
     <p:spTree>
       <p:nvGrpSpPr>
+        <p:cNvPr id="1" name="Shape 70"/>
+        <p:cNvGrpSpPr/>
+        <p:nvPr/>
+      </p:nvGrpSpPr>
+      <p:grpSpPr>
+        <a:xfrm>
+          <a:off x="0" y="0"/>
+          <a:ext cx="0" cy="0"/>
+          <a:chOff x="0" y="0"/>
+          <a:chExt cx="0" cy="0"/>
+        </a:xfrm>
+      </p:grpSpPr>
+      <p:sp>
+        <p:nvSpPr>
+          <p:cNvPr id="71" name="Google Shape;71;g13e2b5c38a2_0_6:notes"/>
+          <p:cNvSpPr>
+            <a:spLocks noGrp="1" noRot="1" noChangeAspect="1"/>
+          </p:cNvSpPr>
+          <p:nvPr>
+            <p:ph type="sldImg" idx="2"/>
+          </p:nvPr>
+        </p:nvSpPr>
+        <p:spPr>
+          <a:xfrm>
+            <a:off x="381000" y="685800"/>
+            <a:ext cx="6096000" cy="3429000"/>
+          </a:xfrm>
+          <a:custGeom>
+            <a:avLst/>
+            <a:gdLst/>
+            <a:ahLst/>
+            <a:cxnLst/>
+            <a:rect l="l" t="t" r="r" b="b"/>
+            <a:pathLst>
+              <a:path w="120000" h="120000" extrusionOk="0">
+                <a:moveTo>
+                  <a:pt x="0" y="0"/>
+                </a:moveTo>
+                <a:lnTo>
+                  <a:pt x="120000" y="0"/>
+                </a:lnTo>
+                <a:lnTo>
+                  <a:pt x="120000" y="120000"/>
+                </a:lnTo>
+                <a:lnTo>
+                  <a:pt x="0" y="120000"/>
+                </a:lnTo>
+                <a:close/>
+              </a:path>
+            </a:pathLst>
+          </a:custGeom>
+        </p:spPr>
+      </p:sp>
+      <p:sp>
+        <p:nvSpPr>
+          <p:cNvPr id="72" name="Google Shape;72;g13e2b5c38a2_0_6:notes"/>
+          <p:cNvSpPr txBox="1">
+            <a:spLocks noGrp="1"/>
+          </p:cNvSpPr>
+          <p:nvPr>
+            <p:ph type="body" idx="1"/>
+          </p:nvPr>
+        </p:nvSpPr>
+        <p:spPr>
+          <a:xfrm>
+            <a:off x="685800" y="4343400"/>
+            <a:ext cx="5486400" cy="4114800"/>
+          </a:xfrm>
+          <a:prstGeom prst="rect">
+            <a:avLst/>
+          </a:prstGeom>
+        </p:spPr>
+        <p:txBody>
+          <a:bodyPr spcFirstLastPara="1" wrap="square" lIns="91425" tIns="91425" rIns="91425" bIns="91425" anchor="t" anchorCtr="0">
+            <a:noAutofit/>
+          </a:bodyPr>
+          <a:lstStyle/>
+          <a:p>
+            <a:pPr marL="0" lvl="0" indent="0" algn="l" rtl="0">
+              <a:spcBef>
+                <a:spcPts val="0"/>
+              </a:spcBef>
+              <a:spcAft>
+                <a:spcPts val="0"/>
+              </a:spcAft>
+              <a:buNone/>
+            </a:pPr>
+            <a:r>
+              <a:rPr lang="en-GB"/>
+              <a:t>Note zebrafish the third most commonly used organism</a:t>
+            </a:r>
+            <a:endParaRPr/>
+          </a:p>
+        </p:txBody>
+      </p:sp>
+    </p:spTree>
+  </p:cSld>
+  <p:clrMapOvr>
+    <a:masterClrMapping/>
+  </p:clrMapOvr>
+</p:notes>
+</file>
+
+<file path=ppt/notesSlides/notesSlide3.xml><?xml version="1.0" encoding="utf-8"?>
+<p:notes xmlns:a="http://schemas.openxmlformats.org/drawingml/2006/main" xmlns:r="http://schemas.openxmlformats.org/officeDocument/2006/relationships" xmlns:p="http://schemas.openxmlformats.org/presentationml/2006/main" showMasterSp="0" showMasterPhAnim="0">
+  <p:cSld>
+    <p:spTree>
+      <p:nvGrpSpPr>
         <p:cNvPr id="1" name="Shape 79"/>
         <p:cNvGrpSpPr/>
         <p:nvPr/>
@@ -1144,7 +1777,7 @@
 </p:notes>
 </file>
 
-<file path=ppt/notesSlides/notesSlide3.xml><?xml version="1.0" encoding="utf-8"?>
+<file path=ppt/notesSlides/notesSlide4.xml><?xml version="1.0" encoding="utf-8"?>
 <p:notes xmlns:a="http://schemas.openxmlformats.org/drawingml/2006/main" xmlns:r="http://schemas.openxmlformats.org/officeDocument/2006/relationships" xmlns:p="http://schemas.openxmlformats.org/presentationml/2006/main" showMasterSp="0" showMasterPhAnim="0">
   <p:cSld>
     <p:spTree>
@@ -1173,7 +1806,7 @@
         </p:nvSpPr>
         <p:spPr>
           <a:xfrm>
-            <a:off x="381300" y="685800"/>
+            <a:off x="381000" y="685800"/>
             <a:ext cx="6096000" cy="3429000"/>
           </a:xfrm>
           <a:custGeom>
@@ -1268,7 +1901,7 @@
 </p:notes>
 </file>
 
-<file path=ppt/notesSlides/notesSlide4.xml><?xml version="1.0" encoding="utf-8"?>
+<file path=ppt/notesSlides/notesSlide5.xml><?xml version="1.0" encoding="utf-8"?>
 <p:notes xmlns:a="http://schemas.openxmlformats.org/drawingml/2006/main" xmlns:r="http://schemas.openxmlformats.org/officeDocument/2006/relationships" xmlns:p="http://schemas.openxmlformats.org/presentationml/2006/main" showMasterSp="0" showMasterPhAnim="0">
   <p:cSld>
     <p:spTree>
@@ -1376,7 +2009,7 @@
 </p:notes>
 </file>
 
-<file path=ppt/notesSlides/notesSlide5.xml><?xml version="1.0" encoding="utf-8"?>
+<file path=ppt/notesSlides/notesSlide6.xml><?xml version="1.0" encoding="utf-8"?>
 <p:notes xmlns:a="http://schemas.openxmlformats.org/drawingml/2006/main" xmlns:r="http://schemas.openxmlformats.org/officeDocument/2006/relationships" xmlns:p="http://schemas.openxmlformats.org/presentationml/2006/main" showMasterSp="0" showMasterPhAnim="0">
   <p:cSld>
     <p:spTree>
@@ -1405,7 +2038,7 @@
         </p:nvSpPr>
         <p:spPr>
           <a:xfrm>
-            <a:off x="381300" y="685800"/>
+            <a:off x="381000" y="685800"/>
             <a:ext cx="6096000" cy="3429000"/>
           </a:xfrm>
           <a:custGeom>
@@ -1480,12 +2113,12 @@
 </p:notes>
 </file>
 
-<file path=ppt/notesSlides/notesSlide6.xml><?xml version="1.0" encoding="utf-8"?>
+<file path=ppt/notesSlides/notesSlide7.xml><?xml version="1.0" encoding="utf-8"?>
 <p:notes xmlns:a="http://schemas.openxmlformats.org/drawingml/2006/main" xmlns:r="http://schemas.openxmlformats.org/officeDocument/2006/relationships" xmlns:p="http://schemas.openxmlformats.org/presentationml/2006/main" showMasterSp="0" showMasterPhAnim="0">
   <p:cSld>
     <p:spTree>
       <p:nvGrpSpPr>
-        <p:cNvPr id="1" name="Shape 380"/>
+        <p:cNvPr id="1" name="Shape 346"/>
         <p:cNvGrpSpPr/>
         <p:nvPr/>
       </p:nvGrpSpPr>
@@ -1499,7 +2132,7 @@
       </p:grpSpPr>
       <p:sp>
         <p:nvSpPr>
-          <p:cNvPr id="381" name="Google Shape;381;g13fba7b8dc5_0_36:notes"/>
+          <p:cNvPr id="347" name="Google Shape;347;g13fba7b8dc5_0_11:notes"/>
           <p:cNvSpPr>
             <a:spLocks noGrp="1" noRot="1" noChangeAspect="1"/>
           </p:cNvSpPr>
@@ -1540,7 +2173,7 @@
       </p:sp>
       <p:sp>
         <p:nvSpPr>
-          <p:cNvPr id="382" name="Google Shape;382;g13fba7b8dc5_0_36:notes"/>
+          <p:cNvPr id="348" name="Google Shape;348;g13fba7b8dc5_0_11:notes"/>
           <p:cNvSpPr txBox="1">
             <a:spLocks noGrp="1"/>
           </p:cNvSpPr>
@@ -1572,6 +2205,31 @@
               </a:spcAft>
               <a:buNone/>
             </a:pPr>
+            <a:r>
+              <a:rPr lang="en-GB"/>
+              <a:t>Compara help info: </a:t>
+            </a:r>
+            <a:r>
+              <a:rPr lang="en-GB" u="sng">
+                <a:solidFill>
+                  <a:schemeClr val="hlink"/>
+                </a:solidFill>
+                <a:hlinkClick r:id="rId3"/>
+              </a:rPr>
+              <a:t>https://www.ensembl.org/info/genome/compara/index.html</a:t>
+            </a:r>
+            <a:endParaRPr/>
+          </a:p>
+          <a:p>
+            <a:pPr marL="0" lvl="0" indent="0" algn="l" rtl="0">
+              <a:spcBef>
+                <a:spcPts val="0"/>
+              </a:spcBef>
+              <a:spcAft>
+                <a:spcPts val="0"/>
+              </a:spcAft>
+              <a:buNone/>
+            </a:pPr>
             <a:endParaRPr/>
           </a:p>
         </p:txBody>
@@ -1584,12 +2242,12 @@
 </p:notes>
 </file>
 
-<file path=ppt/notesSlides/notesSlide7.xml><?xml version="1.0" encoding="utf-8"?>
+<file path=ppt/notesSlides/notesSlide8.xml><?xml version="1.0" encoding="utf-8"?>
 <p:notes xmlns:a="http://schemas.openxmlformats.org/drawingml/2006/main" xmlns:r="http://schemas.openxmlformats.org/officeDocument/2006/relationships" xmlns:p="http://schemas.openxmlformats.org/presentationml/2006/main" showMasterSp="0" showMasterPhAnim="0">
   <p:cSld>
     <p:spTree>
       <p:nvGrpSpPr>
-        <p:cNvPr id="1" name="Shape 389"/>
+        <p:cNvPr id="1" name="Shape 352"/>
         <p:cNvGrpSpPr/>
         <p:nvPr/>
       </p:nvGrpSpPr>
@@ -1603,7 +2261,7 @@
       </p:grpSpPr>
       <p:sp>
         <p:nvSpPr>
-          <p:cNvPr id="390" name="Google Shape;390;g13fba7b8dc5_0_45:notes"/>
+          <p:cNvPr id="353" name="Google Shape;353;g13fba7b8dc5_0_16:notes"/>
           <p:cNvSpPr>
             <a:spLocks noGrp="1" noRot="1" noChangeAspect="1"/>
           </p:cNvSpPr>
@@ -1644,7 +2302,7 @@
       </p:sp>
       <p:sp>
         <p:nvSpPr>
-          <p:cNvPr id="391" name="Google Shape;391;g13fba7b8dc5_0_45:notes"/>
+          <p:cNvPr id="354" name="Google Shape;354;g13fba7b8dc5_0_16:notes"/>
           <p:cNvSpPr txBox="1">
             <a:spLocks noGrp="1"/>
           </p:cNvSpPr>
@@ -1676,6 +2334,10 @@
               </a:spcAft>
               <a:buNone/>
             </a:pPr>
+            <a:r>
+              <a:rPr lang="en-GB"/>
+              <a:t>Note TreeFam defines gene families</a:t>
+            </a:r>
             <a:endParaRPr/>
           </a:p>
         </p:txBody>
@@ -1688,12 +2350,12 @@
 </p:notes>
 </file>
 
-<file path=ppt/notesSlides/notesSlide8.xml><?xml version="1.0" encoding="utf-8"?>
+<file path=ppt/notesSlides/notesSlide9.xml><?xml version="1.0" encoding="utf-8"?>
 <p:notes xmlns:a="http://schemas.openxmlformats.org/drawingml/2006/main" xmlns:r="http://schemas.openxmlformats.org/officeDocument/2006/relationships" xmlns:p="http://schemas.openxmlformats.org/presentationml/2006/main" showMasterSp="0" showMasterPhAnim="0">
   <p:cSld>
     <p:spTree>
       <p:nvGrpSpPr>
-        <p:cNvPr id="1" name="Shape 396"/>
+        <p:cNvPr id="1" name="Shape 359"/>
         <p:cNvGrpSpPr/>
         <p:nvPr/>
       </p:nvGrpSpPr>
@@ -1707,7 +2369,7 @@
       </p:grpSpPr>
       <p:sp>
         <p:nvSpPr>
-          <p:cNvPr id="397" name="Google Shape;397;g13fba7b8dc5_0_56:notes"/>
+          <p:cNvPr id="360" name="Google Shape;360;g13fba7b8dc5_0_23:notes"/>
           <p:cNvSpPr>
             <a:spLocks noGrp="1" noRot="1" noChangeAspect="1"/>
           </p:cNvSpPr>
@@ -1717,7 +2379,7 @@
         </p:nvSpPr>
         <p:spPr>
           <a:xfrm>
-            <a:off x="381300" y="685800"/>
+            <a:off x="381000" y="685800"/>
             <a:ext cx="6096000" cy="3429000"/>
           </a:xfrm>
           <a:custGeom>
@@ -1748,111 +2410,7 @@
       </p:sp>
       <p:sp>
         <p:nvSpPr>
-          <p:cNvPr id="398" name="Google Shape;398;g13fba7b8dc5_0_56:notes"/>
-          <p:cNvSpPr txBox="1">
-            <a:spLocks noGrp="1"/>
-          </p:cNvSpPr>
-          <p:nvPr>
-            <p:ph type="body" idx="1"/>
-          </p:nvPr>
-        </p:nvSpPr>
-        <p:spPr>
-          <a:xfrm>
-            <a:off x="685800" y="4343400"/>
-            <a:ext cx="5486400" cy="4114800"/>
-          </a:xfrm>
-          <a:prstGeom prst="rect">
-            <a:avLst/>
-          </a:prstGeom>
-        </p:spPr>
-        <p:txBody>
-          <a:bodyPr spcFirstLastPara="1" wrap="square" lIns="91425" tIns="91425" rIns="91425" bIns="91425" anchor="t" anchorCtr="0">
-            <a:noAutofit/>
-          </a:bodyPr>
-          <a:lstStyle/>
-          <a:p>
-            <a:pPr marL="0" lvl="0" indent="0" algn="l" rtl="0">
-              <a:spcBef>
-                <a:spcPts val="0"/>
-              </a:spcBef>
-              <a:spcAft>
-                <a:spcPts val="0"/>
-              </a:spcAft>
-              <a:buNone/>
-            </a:pPr>
-            <a:endParaRPr/>
-          </a:p>
-        </p:txBody>
-      </p:sp>
-    </p:spTree>
-  </p:cSld>
-  <p:clrMapOvr>
-    <a:masterClrMapping/>
-  </p:clrMapOvr>
-</p:notes>
-</file>
-
-<file path=ppt/notesSlides/notesSlide9.xml><?xml version="1.0" encoding="utf-8"?>
-<p:notes xmlns:a="http://schemas.openxmlformats.org/drawingml/2006/main" xmlns:r="http://schemas.openxmlformats.org/officeDocument/2006/relationships" xmlns:p="http://schemas.openxmlformats.org/presentationml/2006/main" showMasterSp="0" showMasterPhAnim="0">
-  <p:cSld>
-    <p:spTree>
-      <p:nvGrpSpPr>
-        <p:cNvPr id="1" name="Shape 404"/>
-        <p:cNvGrpSpPr/>
-        <p:nvPr/>
-      </p:nvGrpSpPr>
-      <p:grpSpPr>
-        <a:xfrm>
-          <a:off x="0" y="0"/>
-          <a:ext cx="0" cy="0"/>
-          <a:chOff x="0" y="0"/>
-          <a:chExt cx="0" cy="0"/>
-        </a:xfrm>
-      </p:grpSpPr>
-      <p:sp>
-        <p:nvSpPr>
-          <p:cNvPr id="405" name="Google Shape;405;g13fba7b8dc5_0_65:notes"/>
-          <p:cNvSpPr>
-            <a:spLocks noGrp="1" noRot="1" noChangeAspect="1"/>
-          </p:cNvSpPr>
-          <p:nvPr>
-            <p:ph type="sldImg" idx="2"/>
-          </p:nvPr>
-        </p:nvSpPr>
-        <p:spPr>
-          <a:xfrm>
-            <a:off x="381300" y="685800"/>
-            <a:ext cx="6096000" cy="3429000"/>
-          </a:xfrm>
-          <a:custGeom>
-            <a:avLst/>
-            <a:gdLst/>
-            <a:ahLst/>
-            <a:cxnLst/>
-            <a:rect l="l" t="t" r="r" b="b"/>
-            <a:pathLst>
-              <a:path w="120000" h="120000" extrusionOk="0">
-                <a:moveTo>
-                  <a:pt x="0" y="0"/>
-                </a:moveTo>
-                <a:lnTo>
-                  <a:pt x="120000" y="0"/>
-                </a:lnTo>
-                <a:lnTo>
-                  <a:pt x="120000" y="120000"/>
-                </a:lnTo>
-                <a:lnTo>
-                  <a:pt x="0" y="120000"/>
-                </a:lnTo>
-                <a:close/>
-              </a:path>
-            </a:pathLst>
-          </a:custGeom>
-        </p:spPr>
-      </p:sp>
-      <p:sp>
-        <p:nvSpPr>
-          <p:cNvPr id="406" name="Google Shape;406;g13fba7b8dc5_0_65:notes"/>
+          <p:cNvPr id="361" name="Google Shape;361;g13fba7b8dc5_0_23:notes"/>
           <p:cNvSpPr txBox="1">
             <a:spLocks noGrp="1"/>
           </p:cNvSpPr>
@@ -6865,6 +7423,973 @@
   <p:cSld>
     <p:spTree>
       <p:nvGrpSpPr>
+        <p:cNvPr id="1" name="Shape 377"/>
+        <p:cNvGrpSpPr/>
+        <p:nvPr/>
+      </p:nvGrpSpPr>
+      <p:grpSpPr>
+        <a:xfrm>
+          <a:off x="0" y="0"/>
+          <a:ext cx="0" cy="0"/>
+          <a:chOff x="0" y="0"/>
+          <a:chExt cx="0" cy="0"/>
+        </a:xfrm>
+      </p:grpSpPr>
+      <p:sp>
+        <p:nvSpPr>
+          <p:cNvPr id="378" name="Google Shape;378;p57"/>
+          <p:cNvSpPr txBox="1">
+            <a:spLocks noGrp="1"/>
+          </p:cNvSpPr>
+          <p:nvPr>
+            <p:ph type="title"/>
+          </p:nvPr>
+        </p:nvSpPr>
+        <p:spPr>
+          <a:xfrm>
+            <a:off x="-32900" y="-39475"/>
+            <a:ext cx="9229500" cy="1057200"/>
+          </a:xfrm>
+          <a:prstGeom prst="rect">
+            <a:avLst/>
+          </a:prstGeom>
+        </p:spPr>
+        <p:txBody>
+          <a:bodyPr spcFirstLastPara="1" wrap="square" lIns="91425" tIns="91425" rIns="91425" bIns="91425" anchor="ctr" anchorCtr="0">
+            <a:normAutofit/>
+          </a:bodyPr>
+          <a:lstStyle/>
+          <a:p>
+            <a:pPr marL="0" lvl="0" indent="0" algn="l" rtl="0">
+              <a:spcBef>
+                <a:spcPts val="0"/>
+              </a:spcBef>
+              <a:spcAft>
+                <a:spcPts val="0"/>
+              </a:spcAft>
+              <a:buNone/>
+            </a:pPr>
+            <a:r>
+              <a:rPr lang="en-GB"/>
+              <a:t>Compara - Whole Genome Alignments</a:t>
+            </a:r>
+            <a:endParaRPr/>
+          </a:p>
+        </p:txBody>
+      </p:sp>
+      <p:sp>
+        <p:nvSpPr>
+          <p:cNvPr id="379" name="Google Shape;379;p57"/>
+          <p:cNvSpPr txBox="1">
+            <a:spLocks noGrp="1"/>
+          </p:cNvSpPr>
+          <p:nvPr>
+            <p:ph type="body" idx="1"/>
+          </p:nvPr>
+        </p:nvSpPr>
+        <p:spPr>
+          <a:xfrm>
+            <a:off x="311700" y="1152475"/>
+            <a:ext cx="8520600" cy="3416400"/>
+          </a:xfrm>
+          <a:prstGeom prst="rect">
+            <a:avLst/>
+          </a:prstGeom>
+        </p:spPr>
+        <p:txBody>
+          <a:bodyPr spcFirstLastPara="1" wrap="square" lIns="91425" tIns="91425" rIns="91425" bIns="91425" anchor="t" anchorCtr="0">
+            <a:normAutofit/>
+          </a:bodyPr>
+          <a:lstStyle/>
+          <a:p>
+            <a:pPr marL="457200" lvl="0" indent="-342900" algn="l" rtl="0">
+              <a:spcBef>
+                <a:spcPts val="0"/>
+              </a:spcBef>
+              <a:spcAft>
+                <a:spcPts val="0"/>
+              </a:spcAft>
+              <a:buSzPts val="1800"/>
+              <a:buChar char="●"/>
+            </a:pPr>
+            <a:r>
+              <a:rPr lang="en-GB" b="1" dirty="0"/>
+              <a:t>Pairwise whole genome alignments</a:t>
+            </a:r>
+            <a:r>
+              <a:rPr lang="en-GB" dirty="0"/>
+              <a:t> with LASTZ</a:t>
+            </a:r>
+            <a:endParaRPr dirty="0"/>
+          </a:p>
+          <a:p>
+            <a:pPr marL="457200" lvl="0" indent="-342900" algn="l" rtl="0">
+              <a:spcBef>
+                <a:spcPts val="0"/>
+              </a:spcBef>
+              <a:spcAft>
+                <a:spcPts val="0"/>
+              </a:spcAft>
+              <a:buSzPts val="1800"/>
+              <a:buChar char="●"/>
+            </a:pPr>
+            <a:r>
+              <a:rPr lang="en-GB" dirty="0"/>
+              <a:t>Zebrafish has alignments to </a:t>
+            </a:r>
+            <a:r>
+              <a:rPr lang="en-GB" b="1" dirty="0"/>
+              <a:t>64 species</a:t>
+            </a:r>
+            <a:r>
+              <a:rPr lang="en-GB" dirty="0"/>
+              <a:t> (plus itself)</a:t>
+            </a:r>
+            <a:endParaRPr dirty="0"/>
+          </a:p>
+          <a:p>
+            <a:pPr marL="457200" lvl="0" indent="-342900" algn="l" rtl="0">
+              <a:spcBef>
+                <a:spcPts val="0"/>
+              </a:spcBef>
+              <a:spcAft>
+                <a:spcPts val="0"/>
+              </a:spcAft>
+              <a:buSzPts val="1800"/>
+              <a:buChar char="●"/>
+            </a:pPr>
+            <a:r>
+              <a:rPr lang="en-GB" dirty="0"/>
+              <a:t>Only human (181) and medaka (65) have more</a:t>
+            </a:r>
+            <a:endParaRPr dirty="0"/>
+          </a:p>
+          <a:p>
+            <a:pPr marL="457200" lvl="0" indent="-342900" algn="l" rtl="0">
+              <a:spcBef>
+                <a:spcPts val="0"/>
+              </a:spcBef>
+              <a:spcAft>
+                <a:spcPts val="0"/>
+              </a:spcAft>
+              <a:buSzPts val="1800"/>
+              <a:buChar char="●"/>
+            </a:pPr>
+            <a:r>
+              <a:rPr lang="en-GB" dirty="0"/>
+              <a:t>Full list at: </a:t>
+            </a:r>
+            <a:r>
+              <a:rPr lang="en-GB" u="sng" dirty="0">
+                <a:solidFill>
+                  <a:schemeClr val="hlink"/>
+                </a:solidFill>
+                <a:hlinkClick r:id="rId3"/>
+              </a:rPr>
+              <a:t>www.ensembl.org/info/genome/compara/analyses.html</a:t>
+            </a:r>
+            <a:endParaRPr dirty="0"/>
+          </a:p>
+          <a:p>
+            <a:pPr marL="457200" lvl="0" indent="-342900" algn="l" rtl="0">
+              <a:spcBef>
+                <a:spcPts val="0"/>
+              </a:spcBef>
+              <a:spcAft>
+                <a:spcPts val="0"/>
+              </a:spcAft>
+              <a:buSzPts val="1800"/>
+              <a:buChar char="●"/>
+            </a:pPr>
+            <a:r>
+              <a:rPr lang="en-GB" b="1" dirty="0"/>
+              <a:t>Multiple genome alignments</a:t>
+            </a:r>
+            <a:r>
+              <a:rPr lang="en-GB" dirty="0"/>
+              <a:t> with EPO (</a:t>
+            </a:r>
+            <a:r>
+              <a:rPr lang="en-GB" dirty="0" err="1"/>
+              <a:t>Enredo</a:t>
+            </a:r>
+            <a:r>
+              <a:rPr lang="en-GB" dirty="0"/>
+              <a:t>, Pecan, </a:t>
+            </a:r>
+            <a:r>
+              <a:rPr lang="en-GB" dirty="0" err="1"/>
+              <a:t>Ortheus</a:t>
+            </a:r>
+            <a:r>
+              <a:rPr lang="en-GB" dirty="0"/>
+              <a:t>)</a:t>
+            </a:r>
+            <a:endParaRPr dirty="0"/>
+          </a:p>
+          <a:p>
+            <a:pPr marL="457200" lvl="0" indent="-342900" algn="l" rtl="0">
+              <a:spcBef>
+                <a:spcPts val="0"/>
+              </a:spcBef>
+              <a:spcAft>
+                <a:spcPts val="0"/>
+              </a:spcAft>
+              <a:buSzPts val="1800"/>
+              <a:buChar char="●"/>
+            </a:pPr>
+            <a:r>
+              <a:rPr lang="en-GB" dirty="0"/>
+              <a:t>Zebrafish is in </a:t>
+            </a:r>
+            <a:r>
+              <a:rPr lang="en-GB" b="1" dirty="0"/>
+              <a:t>2</a:t>
+            </a:r>
+            <a:r>
+              <a:rPr lang="en-GB" dirty="0"/>
+              <a:t> alignments (out of 11 in </a:t>
+            </a:r>
+            <a:r>
+              <a:rPr lang="en-GB" dirty="0" err="1"/>
+              <a:t>Ensembl</a:t>
+            </a:r>
+            <a:r>
+              <a:rPr lang="en-GB" dirty="0"/>
+              <a:t>) - one of </a:t>
+            </a:r>
+            <a:r>
+              <a:rPr lang="en-GB" b="1" dirty="0"/>
+              <a:t>39 fish</a:t>
+            </a:r>
+            <a:r>
+              <a:rPr lang="en-GB" dirty="0"/>
+              <a:t> and one of </a:t>
+            </a:r>
+            <a:r>
+              <a:rPr lang="en-GB" b="1" dirty="0"/>
+              <a:t>65 fish</a:t>
+            </a:r>
+            <a:endParaRPr dirty="0"/>
+          </a:p>
+          <a:p>
+            <a:pPr marL="457200" lvl="0" indent="-342900" algn="l" rtl="0">
+              <a:spcBef>
+                <a:spcPts val="0"/>
+              </a:spcBef>
+              <a:spcAft>
+                <a:spcPts val="0"/>
+              </a:spcAft>
+              <a:buSzPts val="1800"/>
+              <a:buChar char="●"/>
+            </a:pPr>
+            <a:r>
+              <a:rPr lang="en-GB" dirty="0"/>
+              <a:t>For lists of species, see: </a:t>
+            </a:r>
+            <a:r>
+              <a:rPr lang="en-GB" u="sng" dirty="0">
+                <a:solidFill>
+                  <a:schemeClr val="hlink"/>
+                </a:solidFill>
+                <a:hlinkClick r:id="rId4"/>
+              </a:rPr>
+              <a:t>www.ensembl.org/info/genome/compara/multiple_genome_alignments.html</a:t>
+            </a:r>
+            <a:endParaRPr dirty="0"/>
+          </a:p>
+        </p:txBody>
+      </p:sp>
+    </p:spTree>
+  </p:cSld>
+  <p:clrMapOvr>
+    <a:masterClrMapping/>
+  </p:clrMapOvr>
+</p:sld>
+</file>
+
+<file path=ppt/slides/slide11.xml><?xml version="1.0" encoding="utf-8"?>
+<p:sld xmlns:a="http://schemas.openxmlformats.org/drawingml/2006/main" xmlns:r="http://schemas.openxmlformats.org/officeDocument/2006/relationships" xmlns:p="http://schemas.openxmlformats.org/presentationml/2006/main">
+  <p:cSld>
+    <p:spTree>
+      <p:nvGrpSpPr>
+        <p:cNvPr id="1" name="Shape 383"/>
+        <p:cNvGrpSpPr/>
+        <p:nvPr/>
+      </p:nvGrpSpPr>
+      <p:grpSpPr>
+        <a:xfrm>
+          <a:off x="0" y="0"/>
+          <a:ext cx="0" cy="0"/>
+          <a:chOff x="0" y="0"/>
+          <a:chExt cx="0" cy="0"/>
+        </a:xfrm>
+      </p:grpSpPr>
+      <p:sp>
+        <p:nvSpPr>
+          <p:cNvPr id="384" name="Google Shape;384;p58"/>
+          <p:cNvSpPr txBox="1">
+            <a:spLocks noGrp="1"/>
+          </p:cNvSpPr>
+          <p:nvPr>
+            <p:ph type="title"/>
+          </p:nvPr>
+        </p:nvSpPr>
+        <p:spPr>
+          <a:xfrm>
+            <a:off x="-32900" y="-39475"/>
+            <a:ext cx="9229500" cy="1057200"/>
+          </a:xfrm>
+          <a:prstGeom prst="rect">
+            <a:avLst/>
+          </a:prstGeom>
+        </p:spPr>
+        <p:txBody>
+          <a:bodyPr spcFirstLastPara="1" wrap="square" lIns="91425" tIns="91425" rIns="91425" bIns="91425" anchor="ctr" anchorCtr="0">
+            <a:normAutofit/>
+          </a:bodyPr>
+          <a:lstStyle/>
+          <a:p>
+            <a:pPr marL="0" lvl="0" indent="0" algn="l" rtl="0">
+              <a:spcBef>
+                <a:spcPts val="0"/>
+              </a:spcBef>
+              <a:spcAft>
+                <a:spcPts val="0"/>
+              </a:spcAft>
+              <a:buNone/>
+            </a:pPr>
+            <a:r>
+              <a:rPr lang="en-GB"/>
+              <a:t>Synteny Example</a:t>
+            </a:r>
+            <a:endParaRPr/>
+          </a:p>
+        </p:txBody>
+      </p:sp>
+      <p:sp>
+        <p:nvSpPr>
+          <p:cNvPr id="385" name="Google Shape;385;p58"/>
+          <p:cNvSpPr txBox="1">
+            <a:spLocks noGrp="1"/>
+          </p:cNvSpPr>
+          <p:nvPr>
+            <p:ph type="body" idx="1"/>
+          </p:nvPr>
+        </p:nvSpPr>
+        <p:spPr>
+          <a:xfrm>
+            <a:off x="311700" y="1152475"/>
+            <a:ext cx="8520600" cy="591300"/>
+          </a:xfrm>
+          <a:prstGeom prst="rect">
+            <a:avLst/>
+          </a:prstGeom>
+        </p:spPr>
+        <p:txBody>
+          <a:bodyPr spcFirstLastPara="1" wrap="square" lIns="91425" tIns="91425" rIns="91425" bIns="91425" anchor="t" anchorCtr="0">
+            <a:normAutofit/>
+          </a:bodyPr>
+          <a:lstStyle/>
+          <a:p>
+            <a:pPr marL="457200" lvl="0" indent="-342900" algn="l" rtl="0">
+              <a:spcBef>
+                <a:spcPts val="0"/>
+              </a:spcBef>
+              <a:spcAft>
+                <a:spcPts val="0"/>
+              </a:spcAft>
+              <a:buSzPts val="1800"/>
+              <a:buChar char="●"/>
+            </a:pPr>
+            <a:r>
+              <a:rPr lang="en-GB"/>
+              <a:t>No zebrafish orthologue listed for human RBM20 gene (ENSG00000203867)</a:t>
+            </a:r>
+            <a:endParaRPr/>
+          </a:p>
+        </p:txBody>
+      </p:sp>
+      <p:grpSp>
+        <p:nvGrpSpPr>
+          <p:cNvPr id="386" name="Google Shape;386;p58"/>
+          <p:cNvGrpSpPr/>
+          <p:nvPr/>
+        </p:nvGrpSpPr>
+        <p:grpSpPr>
+          <a:xfrm>
+            <a:off x="1435113" y="1893923"/>
+            <a:ext cx="6293473" cy="2401650"/>
+            <a:chOff x="1435113" y="1893923"/>
+            <a:chExt cx="6293473" cy="2401650"/>
+          </a:xfrm>
+        </p:grpSpPr>
+        <p:pic>
+          <p:nvPicPr>
+            <p:cNvPr id="387" name="Google Shape;387;p58"/>
+            <p:cNvPicPr preferRelativeResize="0"/>
+            <p:nvPr/>
+          </p:nvPicPr>
+          <p:blipFill>
+            <a:blip r:embed="rId3">
+              <a:alphaModFix/>
+            </a:blip>
+            <a:stretch>
+              <a:fillRect/>
+            </a:stretch>
+          </p:blipFill>
+          <p:spPr>
+            <a:xfrm>
+              <a:off x="1435113" y="1893923"/>
+              <a:ext cx="6293473" cy="2401650"/>
+            </a:xfrm>
+            <a:prstGeom prst="rect">
+              <a:avLst/>
+            </a:prstGeom>
+            <a:noFill/>
+            <a:ln w="19050" cap="flat" cmpd="sng">
+              <a:solidFill>
+                <a:srgbClr val="0D3539"/>
+              </a:solidFill>
+              <a:prstDash val="solid"/>
+              <a:round/>
+              <a:headEnd type="none" w="sm" len="sm"/>
+              <a:tailEnd type="none" w="sm" len="sm"/>
+            </a:ln>
+          </p:spPr>
+        </p:pic>
+        <p:sp>
+          <p:nvSpPr>
+            <p:cNvPr id="388" name="Google Shape;388;p58"/>
+            <p:cNvSpPr/>
+            <p:nvPr/>
+          </p:nvSpPr>
+          <p:spPr>
+            <a:xfrm>
+              <a:off x="1735400" y="4042325"/>
+              <a:ext cx="1435800" cy="253200"/>
+            </a:xfrm>
+            <a:prstGeom prst="ellipse">
+              <a:avLst/>
+            </a:prstGeom>
+            <a:noFill/>
+            <a:ln w="28575" cap="flat" cmpd="sng">
+              <a:solidFill>
+                <a:srgbClr val="FF0000"/>
+              </a:solidFill>
+              <a:prstDash val="solid"/>
+              <a:round/>
+              <a:headEnd type="none" w="sm" len="sm"/>
+              <a:tailEnd type="none" w="sm" len="sm"/>
+            </a:ln>
+          </p:spPr>
+          <p:txBody>
+            <a:bodyPr spcFirstLastPara="1" wrap="square" lIns="91425" tIns="91425" rIns="91425" bIns="91425" anchor="ctr" anchorCtr="0">
+              <a:noAutofit/>
+            </a:bodyPr>
+            <a:lstStyle/>
+            <a:p>
+              <a:pPr marL="0" lvl="0" indent="0" algn="l" rtl="0">
+                <a:spcBef>
+                  <a:spcPts val="0"/>
+                </a:spcBef>
+                <a:spcAft>
+                  <a:spcPts val="0"/>
+                </a:spcAft>
+                <a:buNone/>
+              </a:pPr>
+              <a:endParaRPr/>
+            </a:p>
+          </p:txBody>
+        </p:sp>
+      </p:grpSp>
+    </p:spTree>
+  </p:cSld>
+  <p:clrMapOvr>
+    <a:masterClrMapping/>
+  </p:clrMapOvr>
+</p:sld>
+</file>
+
+<file path=ppt/slides/slide12.xml><?xml version="1.0" encoding="utf-8"?>
+<p:sld xmlns:a="http://schemas.openxmlformats.org/drawingml/2006/main" xmlns:r="http://schemas.openxmlformats.org/officeDocument/2006/relationships" xmlns:p="http://schemas.openxmlformats.org/presentationml/2006/main">
+  <p:cSld>
+    <p:spTree>
+      <p:nvGrpSpPr>
+        <p:cNvPr id="1" name="Shape 392"/>
+        <p:cNvGrpSpPr/>
+        <p:nvPr/>
+      </p:nvGrpSpPr>
+      <p:grpSpPr>
+        <a:xfrm>
+          <a:off x="0" y="0"/>
+          <a:ext cx="0" cy="0"/>
+          <a:chOff x="0" y="0"/>
+          <a:chExt cx="0" cy="0"/>
+        </a:xfrm>
+      </p:grpSpPr>
+      <p:sp>
+        <p:nvSpPr>
+          <p:cNvPr id="393" name="Google Shape;393;p59"/>
+          <p:cNvSpPr txBox="1">
+            <a:spLocks noGrp="1"/>
+          </p:cNvSpPr>
+          <p:nvPr>
+            <p:ph type="title"/>
+          </p:nvPr>
+        </p:nvSpPr>
+        <p:spPr>
+          <a:xfrm>
+            <a:off x="-32900" y="-39475"/>
+            <a:ext cx="9229500" cy="1057200"/>
+          </a:xfrm>
+          <a:prstGeom prst="rect">
+            <a:avLst/>
+          </a:prstGeom>
+        </p:spPr>
+        <p:txBody>
+          <a:bodyPr spcFirstLastPara="1" wrap="square" lIns="91425" tIns="91425" rIns="91425" bIns="91425" anchor="ctr" anchorCtr="0">
+            <a:normAutofit/>
+          </a:bodyPr>
+          <a:lstStyle/>
+          <a:p>
+            <a:pPr marL="0" lvl="0" indent="0" algn="l" rtl="0">
+              <a:spcBef>
+                <a:spcPts val="0"/>
+              </a:spcBef>
+              <a:spcAft>
+                <a:spcPts val="0"/>
+              </a:spcAft>
+              <a:buNone/>
+            </a:pPr>
+            <a:r>
+              <a:rPr lang="en-GB"/>
+              <a:t>Synteny Example</a:t>
+            </a:r>
+            <a:endParaRPr/>
+          </a:p>
+        </p:txBody>
+      </p:sp>
+      <p:sp>
+        <p:nvSpPr>
+          <p:cNvPr id="394" name="Google Shape;394;p59"/>
+          <p:cNvSpPr txBox="1">
+            <a:spLocks noGrp="1"/>
+          </p:cNvSpPr>
+          <p:nvPr>
+            <p:ph type="body" idx="1"/>
+          </p:nvPr>
+        </p:nvSpPr>
+        <p:spPr>
+          <a:xfrm>
+            <a:off x="311700" y="1152475"/>
+            <a:ext cx="8520600" cy="819900"/>
+          </a:xfrm>
+          <a:prstGeom prst="rect">
+            <a:avLst/>
+          </a:prstGeom>
+        </p:spPr>
+        <p:txBody>
+          <a:bodyPr spcFirstLastPara="1" wrap="square" lIns="91425" tIns="91425" rIns="91425" bIns="91425" anchor="t" anchorCtr="0">
+            <a:normAutofit/>
+          </a:bodyPr>
+          <a:lstStyle/>
+          <a:p>
+            <a:pPr marL="457200" lvl="0" indent="-342900" algn="l" rtl="0">
+              <a:spcBef>
+                <a:spcPts val="0"/>
+              </a:spcBef>
+              <a:spcAft>
+                <a:spcPts val="0"/>
+              </a:spcAft>
+              <a:buSzPts val="1800"/>
+              <a:buChar char="●"/>
+            </a:pPr>
+            <a:r>
+              <a:rPr lang="en-GB"/>
+              <a:t>If we look at the region around RBM20 in human and then click on </a:t>
+            </a:r>
+            <a:r>
+              <a:rPr lang="en-GB" b="1"/>
+              <a:t>Synteny</a:t>
+            </a:r>
+            <a:r>
+              <a:rPr lang="en-GB"/>
+              <a:t> we see conservation of synteny with zebrafish chr22</a:t>
+            </a:r>
+            <a:endParaRPr/>
+          </a:p>
+        </p:txBody>
+      </p:sp>
+      <p:pic>
+        <p:nvPicPr>
+          <p:cNvPr id="395" name="Google Shape;395;p59"/>
+          <p:cNvPicPr preferRelativeResize="0"/>
+          <p:nvPr/>
+        </p:nvPicPr>
+        <p:blipFill>
+          <a:blip r:embed="rId3">
+            <a:alphaModFix/>
+          </a:blip>
+          <a:stretch>
+            <a:fillRect/>
+          </a:stretch>
+        </p:blipFill>
+        <p:spPr>
+          <a:xfrm>
+            <a:off x="152400" y="2124775"/>
+            <a:ext cx="8839199" cy="2346180"/>
+          </a:xfrm>
+          <a:prstGeom prst="rect">
+            <a:avLst/>
+          </a:prstGeom>
+          <a:noFill/>
+          <a:ln w="19050" cap="flat" cmpd="sng">
+            <a:solidFill>
+              <a:srgbClr val="0D3539"/>
+            </a:solidFill>
+            <a:prstDash val="solid"/>
+            <a:round/>
+            <a:headEnd type="none" w="sm" len="sm"/>
+            <a:tailEnd type="none" w="sm" len="sm"/>
+          </a:ln>
+        </p:spPr>
+      </p:pic>
+    </p:spTree>
+  </p:cSld>
+  <p:clrMapOvr>
+    <a:masterClrMapping/>
+  </p:clrMapOvr>
+</p:sld>
+</file>
+
+<file path=ppt/slides/slide13.xml><?xml version="1.0" encoding="utf-8"?>
+<p:sld xmlns:a="http://schemas.openxmlformats.org/drawingml/2006/main" xmlns:r="http://schemas.openxmlformats.org/officeDocument/2006/relationships" xmlns:p="http://schemas.openxmlformats.org/presentationml/2006/main">
+  <p:cSld>
+    <p:spTree>
+      <p:nvGrpSpPr>
+        <p:cNvPr id="1" name="Shape 399"/>
+        <p:cNvGrpSpPr/>
+        <p:nvPr/>
+      </p:nvGrpSpPr>
+      <p:grpSpPr>
+        <a:xfrm>
+          <a:off x="0" y="0"/>
+          <a:ext cx="0" cy="0"/>
+          <a:chOff x="0" y="0"/>
+          <a:chExt cx="0" cy="0"/>
+        </a:xfrm>
+      </p:grpSpPr>
+      <p:sp>
+        <p:nvSpPr>
+          <p:cNvPr id="400" name="Google Shape;400;p60"/>
+          <p:cNvSpPr txBox="1">
+            <a:spLocks noGrp="1"/>
+          </p:cNvSpPr>
+          <p:nvPr>
+            <p:ph type="title"/>
+          </p:nvPr>
+        </p:nvSpPr>
+        <p:spPr>
+          <a:xfrm>
+            <a:off x="-32900" y="-39475"/>
+            <a:ext cx="9229500" cy="1057200"/>
+          </a:xfrm>
+          <a:prstGeom prst="rect">
+            <a:avLst/>
+          </a:prstGeom>
+        </p:spPr>
+        <p:txBody>
+          <a:bodyPr spcFirstLastPara="1" wrap="square" lIns="91425" tIns="91425" rIns="91425" bIns="91425" anchor="ctr" anchorCtr="0">
+            <a:normAutofit/>
+          </a:bodyPr>
+          <a:lstStyle/>
+          <a:p>
+            <a:pPr marL="0" lvl="0" indent="0" algn="l" rtl="0">
+              <a:spcBef>
+                <a:spcPts val="0"/>
+              </a:spcBef>
+              <a:spcAft>
+                <a:spcPts val="0"/>
+              </a:spcAft>
+              <a:buNone/>
+            </a:pPr>
+            <a:r>
+              <a:rPr lang="en-GB"/>
+              <a:t>Synteny Example</a:t>
+            </a:r>
+            <a:endParaRPr/>
+          </a:p>
+        </p:txBody>
+      </p:sp>
+      <p:sp>
+        <p:nvSpPr>
+          <p:cNvPr id="401" name="Google Shape;401;p60"/>
+          <p:cNvSpPr txBox="1">
+            <a:spLocks noGrp="1"/>
+          </p:cNvSpPr>
+          <p:nvPr>
+            <p:ph type="body" idx="1"/>
+          </p:nvPr>
+        </p:nvSpPr>
+        <p:spPr>
+          <a:xfrm>
+            <a:off x="311700" y="1152475"/>
+            <a:ext cx="8520600" cy="819900"/>
+          </a:xfrm>
+          <a:prstGeom prst="rect">
+            <a:avLst/>
+          </a:prstGeom>
+        </p:spPr>
+        <p:txBody>
+          <a:bodyPr spcFirstLastPara="1" wrap="square" lIns="91425" tIns="91425" rIns="91425" bIns="91425" anchor="t" anchorCtr="0">
+            <a:normAutofit/>
+          </a:bodyPr>
+          <a:lstStyle/>
+          <a:p>
+            <a:pPr marL="457200" lvl="0" indent="-342900" algn="l" rtl="0">
+              <a:spcBef>
+                <a:spcPts val="0"/>
+              </a:spcBef>
+              <a:spcAft>
+                <a:spcPts val="0"/>
+              </a:spcAft>
+              <a:buSzPts val="1800"/>
+              <a:buChar char="●"/>
+            </a:pPr>
+            <a:r>
+              <a:rPr lang="en-GB"/>
+              <a:t>If we look at the chr22 region in zebrafish then all the surrounding genes are the same and RBM20 is likely to be BX649294.1</a:t>
+            </a:r>
+            <a:endParaRPr/>
+          </a:p>
+        </p:txBody>
+      </p:sp>
+      <p:pic>
+        <p:nvPicPr>
+          <p:cNvPr id="402" name="Google Shape;402;p60"/>
+          <p:cNvPicPr preferRelativeResize="0"/>
+          <p:nvPr/>
+        </p:nvPicPr>
+        <p:blipFill>
+          <a:blip r:embed="rId3">
+            <a:alphaModFix/>
+          </a:blip>
+          <a:stretch>
+            <a:fillRect/>
+          </a:stretch>
+        </p:blipFill>
+        <p:spPr>
+          <a:xfrm>
+            <a:off x="1325213" y="3299325"/>
+            <a:ext cx="6401775" cy="1699213"/>
+          </a:xfrm>
+          <a:prstGeom prst="rect">
+            <a:avLst/>
+          </a:prstGeom>
+          <a:noFill/>
+          <a:ln w="19050" cap="flat" cmpd="sng">
+            <a:solidFill>
+              <a:srgbClr val="0D3539"/>
+            </a:solidFill>
+            <a:prstDash val="solid"/>
+            <a:round/>
+            <a:headEnd type="none" w="sm" len="sm"/>
+            <a:tailEnd type="none" w="sm" len="sm"/>
+          </a:ln>
+        </p:spPr>
+      </p:pic>
+      <p:pic>
+        <p:nvPicPr>
+          <p:cNvPr id="403" name="Google Shape;403;p60"/>
+          <p:cNvPicPr preferRelativeResize="0"/>
+          <p:nvPr/>
+        </p:nvPicPr>
+        <p:blipFill>
+          <a:blip r:embed="rId4">
+            <a:alphaModFix/>
+          </a:blip>
+          <a:stretch>
+            <a:fillRect/>
+          </a:stretch>
+        </p:blipFill>
+        <p:spPr>
+          <a:xfrm>
+            <a:off x="152400" y="2203306"/>
+            <a:ext cx="8839199" cy="865094"/>
+          </a:xfrm>
+          <a:prstGeom prst="rect">
+            <a:avLst/>
+          </a:prstGeom>
+          <a:noFill/>
+          <a:ln w="19050" cap="flat" cmpd="sng">
+            <a:solidFill>
+              <a:srgbClr val="0D3539"/>
+            </a:solidFill>
+            <a:prstDash val="solid"/>
+            <a:round/>
+            <a:headEnd type="none" w="sm" len="sm"/>
+            <a:tailEnd type="none" w="sm" len="sm"/>
+          </a:ln>
+        </p:spPr>
+      </p:pic>
+    </p:spTree>
+  </p:cSld>
+  <p:clrMapOvr>
+    <a:masterClrMapping/>
+  </p:clrMapOvr>
+</p:sld>
+</file>
+
+<file path=ppt/slides/slide14.xml><?xml version="1.0" encoding="utf-8"?>
+<p:sld xmlns:a="http://schemas.openxmlformats.org/drawingml/2006/main" xmlns:r="http://schemas.openxmlformats.org/officeDocument/2006/relationships" xmlns:p="http://schemas.openxmlformats.org/presentationml/2006/main">
+  <p:cSld>
+    <p:spTree>
+      <p:nvGrpSpPr>
+        <p:cNvPr id="1" name="Shape 407"/>
+        <p:cNvGrpSpPr/>
+        <p:nvPr/>
+      </p:nvGrpSpPr>
+      <p:grpSpPr>
+        <a:xfrm>
+          <a:off x="0" y="0"/>
+          <a:ext cx="0" cy="0"/>
+          <a:chOff x="0" y="0"/>
+          <a:chExt cx="0" cy="0"/>
+        </a:xfrm>
+      </p:grpSpPr>
+      <p:sp>
+        <p:nvSpPr>
+          <p:cNvPr id="408" name="Google Shape;408;p61"/>
+          <p:cNvSpPr txBox="1">
+            <a:spLocks noGrp="1"/>
+          </p:cNvSpPr>
+          <p:nvPr>
+            <p:ph type="title"/>
+          </p:nvPr>
+        </p:nvSpPr>
+        <p:spPr>
+          <a:xfrm>
+            <a:off x="-32900" y="-39475"/>
+            <a:ext cx="9229500" cy="1057200"/>
+          </a:xfrm>
+          <a:prstGeom prst="rect">
+            <a:avLst/>
+          </a:prstGeom>
+        </p:spPr>
+        <p:txBody>
+          <a:bodyPr spcFirstLastPara="1" wrap="square" lIns="91425" tIns="91425" rIns="91425" bIns="91425" anchor="ctr" anchorCtr="0">
+            <a:normAutofit/>
+          </a:bodyPr>
+          <a:lstStyle/>
+          <a:p>
+            <a:pPr marL="0" lvl="0" indent="0" algn="l" rtl="0">
+              <a:spcBef>
+                <a:spcPts val="0"/>
+              </a:spcBef>
+              <a:spcAft>
+                <a:spcPts val="0"/>
+              </a:spcAft>
+              <a:buNone/>
+            </a:pPr>
+            <a:r>
+              <a:rPr lang="en-GB"/>
+              <a:t>Synteny Example</a:t>
+            </a:r>
+            <a:endParaRPr/>
+          </a:p>
+        </p:txBody>
+      </p:sp>
+      <p:sp>
+        <p:nvSpPr>
+          <p:cNvPr id="409" name="Google Shape;409;p61"/>
+          <p:cNvSpPr txBox="1">
+            <a:spLocks noGrp="1"/>
+          </p:cNvSpPr>
+          <p:nvPr>
+            <p:ph type="body" idx="1"/>
+          </p:nvPr>
+        </p:nvSpPr>
+        <p:spPr>
+          <a:xfrm>
+            <a:off x="311700" y="1152475"/>
+            <a:ext cx="8520600" cy="771000"/>
+          </a:xfrm>
+          <a:prstGeom prst="rect">
+            <a:avLst/>
+          </a:prstGeom>
+        </p:spPr>
+        <p:txBody>
+          <a:bodyPr spcFirstLastPara="1" wrap="square" lIns="91425" tIns="91425" rIns="91425" bIns="91425" anchor="t" anchorCtr="0">
+            <a:normAutofit lnSpcReduction="10000"/>
+          </a:bodyPr>
+          <a:lstStyle/>
+          <a:p>
+            <a:pPr marL="457200" lvl="0" indent="-342900" algn="l" rtl="0">
+              <a:spcBef>
+                <a:spcPts val="0"/>
+              </a:spcBef>
+              <a:spcAft>
+                <a:spcPts val="0"/>
+              </a:spcAft>
+              <a:buSzPts val="1800"/>
+              <a:buChar char="●"/>
+            </a:pPr>
+            <a:r>
+              <a:rPr lang="en-GB"/>
+              <a:t>Erroneously labelled as processed transcript and so not in protein gene tree, so not labelled as orthologue or named by orthology</a:t>
+            </a:r>
+            <a:endParaRPr/>
+          </a:p>
+        </p:txBody>
+      </p:sp>
+      <p:pic>
+        <p:nvPicPr>
+          <p:cNvPr id="410" name="Google Shape;410;p61"/>
+          <p:cNvPicPr preferRelativeResize="0"/>
+          <p:nvPr/>
+        </p:nvPicPr>
+        <p:blipFill>
+          <a:blip r:embed="rId3">
+            <a:alphaModFix/>
+          </a:blip>
+          <a:stretch>
+            <a:fillRect/>
+          </a:stretch>
+        </p:blipFill>
+        <p:spPr>
+          <a:xfrm>
+            <a:off x="1475513" y="1957625"/>
+            <a:ext cx="6212672" cy="3089225"/>
+          </a:xfrm>
+          <a:prstGeom prst="rect">
+            <a:avLst/>
+          </a:prstGeom>
+          <a:noFill/>
+          <a:ln w="19050" cap="flat" cmpd="sng">
+            <a:solidFill>
+              <a:srgbClr val="0D3539"/>
+            </a:solidFill>
+            <a:prstDash val="solid"/>
+            <a:round/>
+            <a:headEnd type="none" w="sm" len="sm"/>
+            <a:tailEnd type="none" w="sm" len="sm"/>
+          </a:ln>
+        </p:spPr>
+      </p:pic>
+    </p:spTree>
+  </p:cSld>
+  <p:clrMapOvr>
+    <a:masterClrMapping/>
+  </p:clrMapOvr>
+</p:sld>
+</file>
+
+<file path=ppt/slides/slide15.xml><?xml version="1.0" encoding="utf-8"?>
+<p:sld xmlns:a="http://schemas.openxmlformats.org/drawingml/2006/main" xmlns:r="http://schemas.openxmlformats.org/officeDocument/2006/relationships" xmlns:p="http://schemas.openxmlformats.org/presentationml/2006/main">
+  <p:cSld>
+    <p:spTree>
+      <p:nvGrpSpPr>
         <p:cNvPr id="1" name="Shape 521"/>
         <p:cNvGrpSpPr/>
         <p:nvPr/>
@@ -7138,7 +8663,7 @@
 </p:sld>
 </file>
 
-<file path=ppt/slides/slide11.xml><?xml version="1.0" encoding="utf-8"?>
+<file path=ppt/slides/slide16.xml><?xml version="1.0" encoding="utf-8"?>
 <p:sld xmlns:a="http://schemas.openxmlformats.org/drawingml/2006/main" xmlns:r="http://schemas.openxmlformats.org/officeDocument/2006/relationships" xmlns:p="http://schemas.openxmlformats.org/presentationml/2006/main">
   <p:cSld>
     <p:spTree>
@@ -7252,6 +8777,316 @@
   <p:cSld>
     <p:spTree>
       <p:nvGrpSpPr>
+        <p:cNvPr id="1" name="Shape 73"/>
+        <p:cNvGrpSpPr/>
+        <p:nvPr/>
+      </p:nvGrpSpPr>
+      <p:grpSpPr>
+        <a:xfrm>
+          <a:off x="0" y="0"/>
+          <a:ext cx="0" cy="0"/>
+          <a:chOff x="0" y="0"/>
+          <a:chExt cx="0" cy="0"/>
+        </a:xfrm>
+      </p:grpSpPr>
+      <p:sp>
+        <p:nvSpPr>
+          <p:cNvPr id="74" name="Google Shape;74;p16"/>
+          <p:cNvSpPr txBox="1">
+            <a:spLocks noGrp="1"/>
+          </p:cNvSpPr>
+          <p:nvPr>
+            <p:ph type="title"/>
+          </p:nvPr>
+        </p:nvSpPr>
+        <p:spPr>
+          <a:xfrm>
+            <a:off x="-32900" y="-39475"/>
+            <a:ext cx="9229500" cy="1057200"/>
+          </a:xfrm>
+          <a:prstGeom prst="rect">
+            <a:avLst/>
+          </a:prstGeom>
+        </p:spPr>
+        <p:txBody>
+          <a:bodyPr spcFirstLastPara="1" wrap="square" lIns="91425" tIns="91425" rIns="91425" bIns="91425" anchor="ctr" anchorCtr="0">
+            <a:normAutofit/>
+          </a:bodyPr>
+          <a:lstStyle/>
+          <a:p>
+            <a:pPr marL="0" lvl="0" indent="0" algn="l" rtl="0">
+              <a:spcBef>
+                <a:spcPts val="0"/>
+              </a:spcBef>
+              <a:spcAft>
+                <a:spcPts val="0"/>
+              </a:spcAft>
+              <a:buNone/>
+            </a:pPr>
+            <a:r>
+              <a:rPr lang="en-GB" dirty="0"/>
+              <a:t>Why </a:t>
+            </a:r>
+            <a:r>
+              <a:rPr lang="en-GB" dirty="0" err="1"/>
+              <a:t>Ensembl</a:t>
+            </a:r>
+            <a:r>
+              <a:rPr lang="en-GB" dirty="0"/>
+              <a:t>?</a:t>
+            </a:r>
+            <a:endParaRPr dirty="0"/>
+          </a:p>
+        </p:txBody>
+      </p:sp>
+      <p:sp>
+        <p:nvSpPr>
+          <p:cNvPr id="75" name="Google Shape;75;p16"/>
+          <p:cNvSpPr txBox="1">
+            <a:spLocks noGrp="1"/>
+          </p:cNvSpPr>
+          <p:nvPr>
+            <p:ph type="body" idx="1"/>
+          </p:nvPr>
+        </p:nvSpPr>
+        <p:spPr>
+          <a:xfrm>
+            <a:off x="311700" y="1152475"/>
+            <a:ext cx="5619300" cy="3416400"/>
+          </a:xfrm>
+          <a:prstGeom prst="rect">
+            <a:avLst/>
+          </a:prstGeom>
+        </p:spPr>
+        <p:txBody>
+          <a:bodyPr spcFirstLastPara="1" wrap="square" lIns="91425" tIns="91425" rIns="91425" bIns="91425" anchor="t" anchorCtr="0">
+            <a:normAutofit/>
+          </a:bodyPr>
+          <a:lstStyle/>
+          <a:p>
+            <a:pPr marL="457200" lvl="0" indent="-342900" algn="l" rtl="0">
+              <a:spcBef>
+                <a:spcPts val="0"/>
+              </a:spcBef>
+              <a:spcAft>
+                <a:spcPts val="0"/>
+              </a:spcAft>
+              <a:buSzPts val="1800"/>
+              <a:buChar char="●"/>
+            </a:pPr>
+            <a:r>
+              <a:rPr lang="en-GB" dirty="0"/>
+              <a:t>We are biased!</a:t>
+            </a:r>
+            <a:endParaRPr dirty="0"/>
+          </a:p>
+          <a:p>
+            <a:pPr marL="457200" lvl="0" indent="-342900" algn="l" rtl="0">
+              <a:spcBef>
+                <a:spcPts val="0"/>
+              </a:spcBef>
+              <a:spcAft>
+                <a:spcPts val="0"/>
+              </a:spcAft>
+              <a:buSzPts val="1800"/>
+              <a:buChar char="●"/>
+            </a:pPr>
+            <a:r>
+              <a:rPr lang="en-GB" dirty="0"/>
+              <a:t>But is most widely used genome browser amongst zebrafish researchers</a:t>
+            </a:r>
+            <a:endParaRPr dirty="0"/>
+          </a:p>
+          <a:p>
+            <a:pPr marL="457200" lvl="0" indent="-342900" algn="l" rtl="0">
+              <a:spcBef>
+                <a:spcPts val="0"/>
+              </a:spcBef>
+              <a:spcAft>
+                <a:spcPts val="0"/>
+              </a:spcAft>
+              <a:buSzPts val="1800"/>
+              <a:buChar char="●"/>
+            </a:pPr>
+            <a:r>
+              <a:rPr lang="en-GB" b="1" dirty="0"/>
+              <a:t>Primary source of zebrafish annotation</a:t>
+            </a:r>
+            <a:r>
+              <a:rPr lang="en-GB" dirty="0"/>
+              <a:t> (UCSC imports </a:t>
+            </a:r>
+            <a:r>
+              <a:rPr lang="en-GB" dirty="0" err="1"/>
+              <a:t>Ensembl</a:t>
+            </a:r>
+            <a:r>
+              <a:rPr lang="en-GB" dirty="0"/>
+              <a:t> annotation)</a:t>
+            </a:r>
+            <a:br>
+              <a:rPr lang="en-GB" dirty="0"/>
+            </a:br>
+            <a:endParaRPr dirty="0"/>
+          </a:p>
+          <a:p>
+            <a:pPr marL="457200" lvl="0" indent="-342900" algn="l" rtl="0">
+              <a:spcBef>
+                <a:spcPts val="0"/>
+              </a:spcBef>
+              <a:spcAft>
+                <a:spcPts val="0"/>
+              </a:spcAft>
+              <a:buSzPts val="1800"/>
+              <a:buChar char="●"/>
+            </a:pPr>
+            <a:r>
+              <a:rPr lang="en-GB" dirty="0"/>
+              <a:t>Zebrafish </a:t>
+            </a:r>
+            <a:r>
+              <a:rPr lang="en-GB" b="1" dirty="0"/>
+              <a:t>annotation largely static</a:t>
+            </a:r>
+            <a:r>
+              <a:rPr lang="en-GB" dirty="0"/>
+              <a:t> between releases</a:t>
+            </a:r>
+            <a:endParaRPr dirty="0"/>
+          </a:p>
+          <a:p>
+            <a:pPr marL="457200" lvl="0" indent="-342900" algn="l" rtl="0">
+              <a:spcBef>
+                <a:spcPts val="0"/>
+              </a:spcBef>
+              <a:spcAft>
+                <a:spcPts val="0"/>
+              </a:spcAft>
+              <a:buSzPts val="1800"/>
+              <a:buChar char="●"/>
+            </a:pPr>
+            <a:r>
+              <a:rPr lang="en-GB" dirty="0"/>
+              <a:t>But </a:t>
+            </a:r>
+            <a:r>
+              <a:rPr lang="en-GB" b="1" dirty="0"/>
+              <a:t>naming and homology</a:t>
+            </a:r>
+            <a:r>
+              <a:rPr lang="en-GB" dirty="0"/>
+              <a:t> updated (+ new functionality)</a:t>
+            </a:r>
+            <a:endParaRPr dirty="0"/>
+          </a:p>
+        </p:txBody>
+      </p:sp>
+      <p:grpSp>
+        <p:nvGrpSpPr>
+          <p:cNvPr id="76" name="Google Shape;76;p16"/>
+          <p:cNvGrpSpPr/>
+          <p:nvPr/>
+        </p:nvGrpSpPr>
+        <p:grpSpPr>
+          <a:xfrm>
+            <a:off x="5751575" y="1270950"/>
+            <a:ext cx="3360623" cy="3558923"/>
+            <a:chOff x="5751575" y="1270950"/>
+            <a:chExt cx="3360623" cy="3558923"/>
+          </a:xfrm>
+        </p:grpSpPr>
+        <p:pic>
+          <p:nvPicPr>
+            <p:cNvPr id="77" name="Google Shape;77;p16"/>
+            <p:cNvPicPr preferRelativeResize="0"/>
+            <p:nvPr/>
+          </p:nvPicPr>
+          <p:blipFill>
+            <a:blip r:embed="rId3">
+              <a:alphaModFix/>
+            </a:blip>
+            <a:stretch>
+              <a:fillRect/>
+            </a:stretch>
+          </p:blipFill>
+          <p:spPr>
+            <a:xfrm>
+              <a:off x="5751575" y="1270950"/>
+              <a:ext cx="3360623" cy="3558923"/>
+            </a:xfrm>
+            <a:prstGeom prst="rect">
+              <a:avLst/>
+            </a:prstGeom>
+            <a:noFill/>
+            <a:ln w="19050" cap="flat" cmpd="sng">
+              <a:solidFill>
+                <a:srgbClr val="0D3539"/>
+              </a:solidFill>
+              <a:prstDash val="solid"/>
+              <a:round/>
+              <a:headEnd type="none" w="sm" len="sm"/>
+              <a:tailEnd type="none" w="sm" len="sm"/>
+            </a:ln>
+          </p:spPr>
+        </p:pic>
+        <p:sp>
+          <p:nvSpPr>
+            <p:cNvPr id="78" name="Google Shape;78;p16"/>
+            <p:cNvSpPr/>
+            <p:nvPr/>
+          </p:nvSpPr>
+          <p:spPr>
+            <a:xfrm>
+              <a:off x="6739500" y="4425625"/>
+              <a:ext cx="815400" cy="362400"/>
+            </a:xfrm>
+            <a:prstGeom prst="ellipse">
+              <a:avLst/>
+            </a:prstGeom>
+            <a:noFill/>
+            <a:ln w="28575" cap="flat" cmpd="sng">
+              <a:solidFill>
+                <a:srgbClr val="FF0000"/>
+              </a:solidFill>
+              <a:prstDash val="solid"/>
+              <a:round/>
+              <a:headEnd type="none" w="sm" len="sm"/>
+              <a:tailEnd type="none" w="sm" len="sm"/>
+            </a:ln>
+          </p:spPr>
+          <p:txBody>
+            <a:bodyPr spcFirstLastPara="1" wrap="square" lIns="91425" tIns="91425" rIns="91425" bIns="91425" anchor="ctr" anchorCtr="0">
+              <a:noAutofit/>
+            </a:bodyPr>
+            <a:lstStyle/>
+            <a:p>
+              <a:pPr marL="0" lvl="0" indent="0" algn="l" rtl="0">
+                <a:spcBef>
+                  <a:spcPts val="0"/>
+                </a:spcBef>
+                <a:spcAft>
+                  <a:spcPts val="0"/>
+                </a:spcAft>
+                <a:buNone/>
+              </a:pPr>
+              <a:endParaRPr/>
+            </a:p>
+          </p:txBody>
+        </p:sp>
+      </p:grpSp>
+    </p:spTree>
+  </p:cSld>
+  <p:clrMapOvr>
+    <a:masterClrMapping/>
+  </p:clrMapOvr>
+</p:sld>
+</file>
+
+<file path=ppt/slides/slide3.xml><?xml version="1.0" encoding="utf-8"?>
+<p:sld xmlns:a="http://schemas.openxmlformats.org/drawingml/2006/main" xmlns:r="http://schemas.openxmlformats.org/officeDocument/2006/relationships" xmlns:p="http://schemas.openxmlformats.org/presentationml/2006/main">
+  <p:cSld>
+    <p:spTree>
+      <p:nvGrpSpPr>
         <p:cNvPr id="1" name="Shape 82"/>
         <p:cNvGrpSpPr/>
         <p:nvPr/>
@@ -7512,7 +9347,7 @@
 </p:sld>
 </file>
 
-<file path=ppt/slides/slide3.xml><?xml version="1.0" encoding="utf-8"?>
+<file path=ppt/slides/slide4.xml><?xml version="1.0" encoding="utf-8"?>
 <p:sld xmlns:a="http://schemas.openxmlformats.org/drawingml/2006/main" xmlns:r="http://schemas.openxmlformats.org/officeDocument/2006/relationships" xmlns:p="http://schemas.openxmlformats.org/presentationml/2006/main">
   <p:cSld>
     <p:spTree>
@@ -7592,7 +9427,7 @@
         </p:spPr>
         <p:txBody>
           <a:bodyPr spcFirstLastPara="1" wrap="square" lIns="91425" tIns="91425" rIns="91425" bIns="91425" anchor="t" anchorCtr="0">
-            <a:normAutofit lnSpcReduction="20000"/>
+            <a:normAutofit fontScale="92500"/>
           </a:bodyPr>
           <a:lstStyle/>
           <a:p>
@@ -8001,7 +9836,7 @@
 </p:sld>
 </file>
 
-<file path=ppt/slides/slide4.xml><?xml version="1.0" encoding="utf-8"?>
+<file path=ppt/slides/slide5.xml><?xml version="1.0" encoding="utf-8"?>
 <p:sld xmlns:a="http://schemas.openxmlformats.org/drawingml/2006/main" xmlns:r="http://schemas.openxmlformats.org/officeDocument/2006/relationships" xmlns:p="http://schemas.openxmlformats.org/presentationml/2006/main">
   <p:cSld>
     <p:spTree>
@@ -8370,7 +10205,7 @@
 </p:sld>
 </file>
 
-<file path=ppt/slides/slide5.xml><?xml version="1.0" encoding="utf-8"?>
+<file path=ppt/slides/slide6.xml><?xml version="1.0" encoding="utf-8"?>
 <p:sld xmlns:a="http://schemas.openxmlformats.org/drawingml/2006/main" xmlns:r="http://schemas.openxmlformats.org/officeDocument/2006/relationships" xmlns:p="http://schemas.openxmlformats.org/presentationml/2006/main">
   <p:cSld>
     <p:spTree>
@@ -8450,7 +10285,7 @@
         </p:spPr>
         <p:txBody>
           <a:bodyPr spcFirstLastPara="1" wrap="square" lIns="91425" tIns="91425" rIns="91425" bIns="91425" anchor="t" anchorCtr="0">
-            <a:normAutofit lnSpcReduction="20000"/>
+            <a:normAutofit fontScale="92500"/>
           </a:bodyPr>
           <a:lstStyle/>
           <a:p>
@@ -8659,12 +10494,12 @@
 </p:sld>
 </file>
 
-<file path=ppt/slides/slide6.xml><?xml version="1.0" encoding="utf-8"?>
+<file path=ppt/slides/slide7.xml><?xml version="1.0" encoding="utf-8"?>
 <p:sld xmlns:a="http://schemas.openxmlformats.org/drawingml/2006/main" xmlns:r="http://schemas.openxmlformats.org/officeDocument/2006/relationships" xmlns:p="http://schemas.openxmlformats.org/presentationml/2006/main">
   <p:cSld>
     <p:spTree>
       <p:nvGrpSpPr>
-        <p:cNvPr id="1" name="Shape 383"/>
+        <p:cNvPr id="1" name="Shape 349"/>
         <p:cNvGrpSpPr/>
         <p:nvPr/>
       </p:nvGrpSpPr>
@@ -8678,7 +10513,7 @@
       </p:grpSpPr>
       <p:sp>
         <p:nvSpPr>
-          <p:cNvPr id="384" name="Google Shape;384;p58"/>
+          <p:cNvPr id="350" name="Google Shape;350;p53"/>
           <p:cNvSpPr txBox="1">
             <a:spLocks noGrp="1"/>
           </p:cNvSpPr>
@@ -8712,7 +10547,7 @@
             </a:pPr>
             <a:r>
               <a:rPr lang="en-GB"/>
-              <a:t>Synteny Example</a:t>
+              <a:t>Compara</a:t>
             </a:r>
             <a:endParaRPr/>
           </a:p>
@@ -8720,7 +10555,7 @@
       </p:sp>
       <p:sp>
         <p:nvSpPr>
-          <p:cNvPr id="385" name="Google Shape;385;p58"/>
+          <p:cNvPr id="351" name="Google Shape;351;p53"/>
           <p:cNvSpPr txBox="1">
             <a:spLocks noGrp="1"/>
           </p:cNvSpPr>
@@ -8731,7 +10566,7 @@
         <p:spPr>
           <a:xfrm>
             <a:off x="311700" y="1152475"/>
-            <a:ext cx="8520600" cy="591300"/>
+            <a:ext cx="8520600" cy="3416400"/>
           </a:xfrm>
           <a:prstGeom prst="rect">
             <a:avLst/>
@@ -8755,105 +10590,95 @@
             </a:pPr>
             <a:r>
               <a:rPr lang="en-GB"/>
-              <a:t>No zebrafish orthologue listed for human RBM20 gene (ENSG00000203867)</a:t>
+              <a:t>Compara - produce Ensembl’s comparative genomics resources</a:t>
             </a:r>
             <a:endParaRPr/>
+          </a:p>
+          <a:p>
+            <a:pPr marL="457200" lvl="0" indent="-342900" algn="l" rtl="0">
+              <a:spcBef>
+                <a:spcPts val="0"/>
+              </a:spcBef>
+              <a:spcAft>
+                <a:spcPts val="0"/>
+              </a:spcAft>
+              <a:buSzPts val="1800"/>
+              <a:buChar char="●"/>
+            </a:pPr>
+            <a:r>
+              <a:rPr lang="en-GB"/>
+              <a:t>Two types of analysis:</a:t>
+            </a:r>
+            <a:endParaRPr/>
+          </a:p>
+          <a:p>
+            <a:pPr marL="914400" lvl="1" indent="-317500" algn="l" rtl="0">
+              <a:spcBef>
+                <a:spcPts val="0"/>
+              </a:spcBef>
+              <a:spcAft>
+                <a:spcPts val="0"/>
+              </a:spcAft>
+              <a:buSzPts val="1400"/>
+              <a:buChar char="○"/>
+            </a:pPr>
+            <a:r>
+              <a:rPr lang="en-GB"/>
+              <a:t>Gene level comparisons to produce </a:t>
+            </a:r>
+            <a:r>
+              <a:rPr lang="en-GB" b="1"/>
+              <a:t>gene trees</a:t>
+            </a:r>
+            <a:r>
+              <a:rPr lang="en-GB"/>
+              <a:t>, e.g. infer </a:t>
+            </a:r>
+            <a:r>
+              <a:rPr lang="en-GB" b="1"/>
+              <a:t>homologues</a:t>
+            </a:r>
+            <a:r>
+              <a:rPr lang="en-GB"/>
+              <a:t> (orthologues &amp; paralogues)</a:t>
+            </a:r>
+            <a:endParaRPr/>
+          </a:p>
+          <a:p>
+            <a:pPr marL="914400" lvl="1" indent="-317500" algn="l" rtl="0">
+              <a:spcBef>
+                <a:spcPts val="0"/>
+              </a:spcBef>
+              <a:spcAft>
+                <a:spcPts val="0"/>
+              </a:spcAft>
+              <a:buSzPts val="1400"/>
+              <a:buChar char="○"/>
+            </a:pPr>
+            <a:r>
+              <a:rPr lang="en-GB" b="1"/>
+              <a:t>Whole genome alignments</a:t>
+            </a:r>
+            <a:r>
+              <a:rPr lang="en-GB"/>
+              <a:t> - pairwise and multiple alignments, e.g. </a:t>
+            </a:r>
+            <a:r>
+              <a:rPr lang="en-GB" b="1"/>
+              <a:t>constrained elements</a:t>
+            </a:r>
+            <a:r>
+              <a:rPr lang="en-GB"/>
+              <a:t> and </a:t>
+            </a:r>
+            <a:r>
+              <a:rPr lang="en-GB" b="1"/>
+              <a:t>synteny</a:t>
+            </a:r>
+            <a:endParaRPr b="1"/>
           </a:p>
         </p:txBody>
       </p:sp>
-      <p:grpSp>
-        <p:nvGrpSpPr>
-          <p:cNvPr id="386" name="Google Shape;386;p58"/>
-          <p:cNvGrpSpPr/>
-          <p:nvPr/>
-        </p:nvGrpSpPr>
-        <p:grpSpPr>
-          <a:xfrm>
-            <a:off x="1435113" y="1893923"/>
-            <a:ext cx="6293473" cy="2401650"/>
-            <a:chOff x="1435113" y="1893923"/>
-            <a:chExt cx="6293473" cy="2401650"/>
-          </a:xfrm>
-        </p:grpSpPr>
-        <p:pic>
-          <p:nvPicPr>
-            <p:cNvPr id="387" name="Google Shape;387;p58"/>
-            <p:cNvPicPr preferRelativeResize="0"/>
-            <p:nvPr/>
-          </p:nvPicPr>
-          <p:blipFill>
-            <a:blip r:embed="rId3">
-              <a:alphaModFix/>
-            </a:blip>
-            <a:stretch>
-              <a:fillRect/>
-            </a:stretch>
-          </p:blipFill>
-          <p:spPr>
-            <a:xfrm>
-              <a:off x="1435113" y="1893923"/>
-              <a:ext cx="6293473" cy="2401650"/>
-            </a:xfrm>
-            <a:prstGeom prst="rect">
-              <a:avLst/>
-            </a:prstGeom>
-            <a:noFill/>
-            <a:ln w="19050" cap="flat" cmpd="sng">
-              <a:solidFill>
-                <a:srgbClr val="0D3539"/>
-              </a:solidFill>
-              <a:prstDash val="solid"/>
-              <a:round/>
-              <a:headEnd type="none" w="sm" len="sm"/>
-              <a:tailEnd type="none" w="sm" len="sm"/>
-            </a:ln>
-          </p:spPr>
-        </p:pic>
-        <p:sp>
-          <p:nvSpPr>
-            <p:cNvPr id="388" name="Google Shape;388;p58"/>
-            <p:cNvSpPr/>
-            <p:nvPr/>
-          </p:nvSpPr>
-          <p:spPr>
-            <a:xfrm>
-              <a:off x="1735400" y="4042325"/>
-              <a:ext cx="1435800" cy="253200"/>
-            </a:xfrm>
-            <a:prstGeom prst="ellipse">
-              <a:avLst/>
-            </a:prstGeom>
-            <a:noFill/>
-            <a:ln w="28575" cap="flat" cmpd="sng">
-              <a:solidFill>
-                <a:srgbClr val="FF0000"/>
-              </a:solidFill>
-              <a:prstDash val="solid"/>
-              <a:round/>
-              <a:headEnd type="none" w="sm" len="sm"/>
-              <a:tailEnd type="none" w="sm" len="sm"/>
-            </a:ln>
-          </p:spPr>
-          <p:txBody>
-            <a:bodyPr spcFirstLastPara="1" wrap="square" lIns="91425" tIns="91425" rIns="91425" bIns="91425" anchor="ctr" anchorCtr="0">
-              <a:noAutofit/>
-            </a:bodyPr>
-            <a:lstStyle/>
-            <a:p>
-              <a:pPr marL="0" lvl="0" indent="0" algn="l" rtl="0">
-                <a:spcBef>
-                  <a:spcPts val="0"/>
-                </a:spcBef>
-                <a:spcAft>
-                  <a:spcPts val="0"/>
-                </a:spcAft>
-                <a:buNone/>
-              </a:pPr>
-              <a:endParaRPr/>
-            </a:p>
-          </p:txBody>
-        </p:sp>
-      </p:grpSp>
     </p:spTree>
   </p:cSld>
   <p:clrMapOvr>
@@ -8862,12 +10687,12 @@
 </p:sld>
 </file>
 
-<file path=ppt/slides/slide7.xml><?xml version="1.0" encoding="utf-8"?>
+<file path=ppt/slides/slide8.xml><?xml version="1.0" encoding="utf-8"?>
 <p:sld xmlns:a="http://schemas.openxmlformats.org/drawingml/2006/main" xmlns:r="http://schemas.openxmlformats.org/officeDocument/2006/relationships" xmlns:p="http://schemas.openxmlformats.org/presentationml/2006/main">
   <p:cSld>
     <p:spTree>
       <p:nvGrpSpPr>
-        <p:cNvPr id="1" name="Shape 392"/>
+        <p:cNvPr id="1" name="Shape 355"/>
         <p:cNvGrpSpPr/>
         <p:nvPr/>
       </p:nvGrpSpPr>
@@ -8881,7 +10706,7 @@
       </p:grpSpPr>
       <p:sp>
         <p:nvSpPr>
-          <p:cNvPr id="393" name="Google Shape;393;p59"/>
+          <p:cNvPr id="356" name="Google Shape;356;p54"/>
           <p:cNvSpPr txBox="1">
             <a:spLocks noGrp="1"/>
           </p:cNvSpPr>
@@ -8915,7 +10740,7 @@
             </a:pPr>
             <a:r>
               <a:rPr lang="en-GB"/>
-              <a:t>Synteny Example</a:t>
+              <a:t>Compara - Gene Trees</a:t>
             </a:r>
             <a:endParaRPr/>
           </a:p>
@@ -8923,7 +10748,7 @@
       </p:sp>
       <p:sp>
         <p:nvSpPr>
-          <p:cNvPr id="394" name="Google Shape;394;p59"/>
+          <p:cNvPr id="357" name="Google Shape;357;p54"/>
           <p:cNvSpPr txBox="1">
             <a:spLocks noGrp="1"/>
           </p:cNvSpPr>
@@ -8934,7 +10759,7 @@
         <p:spPr>
           <a:xfrm>
             <a:off x="311700" y="1152475"/>
-            <a:ext cx="8520600" cy="819900"/>
+            <a:ext cx="8520600" cy="3416400"/>
           </a:xfrm>
           <a:prstGeom prst="rect">
             <a:avLst/>
@@ -8958,23 +10783,177 @@
             </a:pPr>
             <a:r>
               <a:rPr lang="en-GB"/>
-              <a:t>If we look at the region around RBM20 in human and then click on </a:t>
+              <a:t>Separate trees for </a:t>
             </a:r>
             <a:r>
               <a:rPr lang="en-GB" b="1"/>
-              <a:t>Synteny</a:t>
+              <a:t>proteins</a:t>
             </a:r>
             <a:r>
               <a:rPr lang="en-GB"/>
-              <a:t> we see conservation of synteny with zebrafish chr22</a:t>
+              <a:t> and </a:t>
+            </a:r>
+            <a:r>
+              <a:rPr lang="en-GB" b="1"/>
+              <a:t>ncRNAs</a:t>
+            </a:r>
+            <a:r>
+              <a:rPr lang="en-GB"/>
+              <a:t> (take secondary structure into account)</a:t>
             </a:r>
             <a:endParaRPr/>
+          </a:p>
+          <a:p>
+            <a:pPr marL="457200" lvl="0" indent="-342900" algn="l" rtl="0">
+              <a:spcBef>
+                <a:spcPts val="0"/>
+              </a:spcBef>
+              <a:spcAft>
+                <a:spcPts val="0"/>
+              </a:spcAft>
+              <a:buSzPts val="1800"/>
+              <a:buChar char="●"/>
+            </a:pPr>
+            <a:r>
+              <a:rPr lang="en-GB"/>
+              <a:t>Process:</a:t>
+            </a:r>
+            <a:endParaRPr/>
+          </a:p>
+          <a:p>
+            <a:pPr marL="914400" lvl="1" indent="-317500" algn="l" rtl="0">
+              <a:spcBef>
+                <a:spcPts val="0"/>
+              </a:spcBef>
+              <a:spcAft>
+                <a:spcPts val="0"/>
+              </a:spcAft>
+              <a:buSzPts val="1400"/>
+              <a:buChar char="○"/>
+            </a:pPr>
+            <a:r>
+              <a:rPr lang="en-GB"/>
+              <a:t>Take </a:t>
+            </a:r>
+            <a:r>
+              <a:rPr lang="en-GB" b="1"/>
+              <a:t>representative</a:t>
+            </a:r>
+            <a:r>
+              <a:rPr lang="en-GB"/>
+              <a:t> transcripts (e.g. longest CDS) from all genes from all species</a:t>
+            </a:r>
+            <a:endParaRPr/>
+          </a:p>
+          <a:p>
+            <a:pPr marL="914400" lvl="1" indent="-317500" algn="l" rtl="0">
+              <a:spcBef>
+                <a:spcPts val="0"/>
+              </a:spcBef>
+              <a:spcAft>
+                <a:spcPts val="0"/>
+              </a:spcAft>
+              <a:buSzPts val="1400"/>
+              <a:buChar char="○"/>
+            </a:pPr>
+            <a:r>
+              <a:rPr lang="en-GB"/>
+              <a:t>Classify genes into </a:t>
+            </a:r>
+            <a:r>
+              <a:rPr lang="en-GB" b="1"/>
+              <a:t>clusters</a:t>
+            </a:r>
+            <a:r>
+              <a:rPr lang="en-GB"/>
+              <a:t> by TreeFam family</a:t>
+            </a:r>
+            <a:endParaRPr/>
+          </a:p>
+          <a:p>
+            <a:pPr marL="914400" lvl="1" indent="-317500" algn="l" rtl="0">
+              <a:spcBef>
+                <a:spcPts val="0"/>
+              </a:spcBef>
+              <a:spcAft>
+                <a:spcPts val="0"/>
+              </a:spcAft>
+              <a:buSzPts val="1400"/>
+              <a:buChar char="○"/>
+            </a:pPr>
+            <a:r>
+              <a:rPr lang="en-GB"/>
+              <a:t>Build </a:t>
+            </a:r>
+            <a:r>
+              <a:rPr lang="en-GB" b="1"/>
+              <a:t>multiple</a:t>
+            </a:r>
+            <a:r>
+              <a:rPr lang="en-GB"/>
+              <a:t> alignment</a:t>
+            </a:r>
+            <a:endParaRPr/>
+          </a:p>
+          <a:p>
+            <a:pPr marL="914400" lvl="1" indent="-317500" algn="l" rtl="0">
+              <a:spcBef>
+                <a:spcPts val="0"/>
+              </a:spcBef>
+              <a:spcAft>
+                <a:spcPts val="0"/>
+              </a:spcAft>
+              <a:buSzPts val="1400"/>
+              <a:buChar char="○"/>
+            </a:pPr>
+            <a:r>
+              <a:rPr lang="en-GB"/>
+              <a:t>Build </a:t>
+            </a:r>
+            <a:r>
+              <a:rPr lang="en-GB" b="1"/>
+              <a:t>gene tree</a:t>
+            </a:r>
+            <a:r>
+              <a:rPr lang="en-GB"/>
+              <a:t> reconciled with NCBI’s taxonomy tree</a:t>
+            </a:r>
+            <a:endParaRPr/>
+          </a:p>
+          <a:p>
+            <a:pPr marL="914400" lvl="1" indent="-317500" algn="l" rtl="0">
+              <a:spcBef>
+                <a:spcPts val="0"/>
+              </a:spcBef>
+              <a:spcAft>
+                <a:spcPts val="0"/>
+              </a:spcAft>
+              <a:buSzPts val="1400"/>
+              <a:buChar char="○"/>
+            </a:pPr>
+            <a:r>
+              <a:rPr lang="en-GB"/>
+              <a:t>Infer </a:t>
+            </a:r>
+            <a:r>
+              <a:rPr lang="en-GB" b="1"/>
+              <a:t>orthologues</a:t>
+            </a:r>
+            <a:r>
+              <a:rPr lang="en-GB"/>
+              <a:t> and </a:t>
+            </a:r>
+            <a:r>
+              <a:rPr lang="en-GB" b="1"/>
+              <a:t>paralogues</a:t>
+            </a:r>
+            <a:endParaRPr b="1"/>
           </a:p>
         </p:txBody>
       </p:sp>
       <p:pic>
         <p:nvPicPr>
-          <p:cNvPr id="395" name="Google Shape;395;p59"/>
+          <p:cNvPr id="358" name="Google Shape;358;p54"/>
           <p:cNvPicPr preferRelativeResize="0"/>
           <p:nvPr/>
         </p:nvPicPr>
@@ -8988,186 +10967,8 @@
         </p:blipFill>
         <p:spPr>
           <a:xfrm>
-            <a:off x="152400" y="2124775"/>
-            <a:ext cx="8839199" cy="2346180"/>
-          </a:xfrm>
-          <a:prstGeom prst="rect">
-            <a:avLst/>
-          </a:prstGeom>
-          <a:noFill/>
-          <a:ln w="19050" cap="flat" cmpd="sng">
-            <a:solidFill>
-              <a:srgbClr val="0D3539"/>
-            </a:solidFill>
-            <a:prstDash val="solid"/>
-            <a:round/>
-            <a:headEnd type="none" w="sm" len="sm"/>
-            <a:tailEnd type="none" w="sm" len="sm"/>
-          </a:ln>
-        </p:spPr>
-      </p:pic>
-    </p:spTree>
-  </p:cSld>
-  <p:clrMapOvr>
-    <a:masterClrMapping/>
-  </p:clrMapOvr>
-</p:sld>
-</file>
-
-<file path=ppt/slides/slide8.xml><?xml version="1.0" encoding="utf-8"?>
-<p:sld xmlns:a="http://schemas.openxmlformats.org/drawingml/2006/main" xmlns:r="http://schemas.openxmlformats.org/officeDocument/2006/relationships" xmlns:p="http://schemas.openxmlformats.org/presentationml/2006/main">
-  <p:cSld>
-    <p:spTree>
-      <p:nvGrpSpPr>
-        <p:cNvPr id="1" name="Shape 399"/>
-        <p:cNvGrpSpPr/>
-        <p:nvPr/>
-      </p:nvGrpSpPr>
-      <p:grpSpPr>
-        <a:xfrm>
-          <a:off x="0" y="0"/>
-          <a:ext cx="0" cy="0"/>
-          <a:chOff x="0" y="0"/>
-          <a:chExt cx="0" cy="0"/>
-        </a:xfrm>
-      </p:grpSpPr>
-      <p:sp>
-        <p:nvSpPr>
-          <p:cNvPr id="400" name="Google Shape;400;p60"/>
-          <p:cNvSpPr txBox="1">
-            <a:spLocks noGrp="1"/>
-          </p:cNvSpPr>
-          <p:nvPr>
-            <p:ph type="title"/>
-          </p:nvPr>
-        </p:nvSpPr>
-        <p:spPr>
-          <a:xfrm>
-            <a:off x="-32900" y="-39475"/>
-            <a:ext cx="9229500" cy="1057200"/>
-          </a:xfrm>
-          <a:prstGeom prst="rect">
-            <a:avLst/>
-          </a:prstGeom>
-        </p:spPr>
-        <p:txBody>
-          <a:bodyPr spcFirstLastPara="1" wrap="square" lIns="91425" tIns="91425" rIns="91425" bIns="91425" anchor="ctr" anchorCtr="0">
-            <a:normAutofit/>
-          </a:bodyPr>
-          <a:lstStyle/>
-          <a:p>
-            <a:pPr marL="0" lvl="0" indent="0" algn="l" rtl="0">
-              <a:spcBef>
-                <a:spcPts val="0"/>
-              </a:spcBef>
-              <a:spcAft>
-                <a:spcPts val="0"/>
-              </a:spcAft>
-              <a:buNone/>
-            </a:pPr>
-            <a:r>
-              <a:rPr lang="en-GB"/>
-              <a:t>Synteny Example</a:t>
-            </a:r>
-            <a:endParaRPr/>
-          </a:p>
-        </p:txBody>
-      </p:sp>
-      <p:sp>
-        <p:nvSpPr>
-          <p:cNvPr id="401" name="Google Shape;401;p60"/>
-          <p:cNvSpPr txBox="1">
-            <a:spLocks noGrp="1"/>
-          </p:cNvSpPr>
-          <p:nvPr>
-            <p:ph type="body" idx="1"/>
-          </p:nvPr>
-        </p:nvSpPr>
-        <p:spPr>
-          <a:xfrm>
-            <a:off x="311700" y="1152475"/>
-            <a:ext cx="8520600" cy="819900"/>
-          </a:xfrm>
-          <a:prstGeom prst="rect">
-            <a:avLst/>
-          </a:prstGeom>
-        </p:spPr>
-        <p:txBody>
-          <a:bodyPr spcFirstLastPara="1" wrap="square" lIns="91425" tIns="91425" rIns="91425" bIns="91425" anchor="t" anchorCtr="0">
-            <a:normAutofit/>
-          </a:bodyPr>
-          <a:lstStyle/>
-          <a:p>
-            <a:pPr marL="457200" lvl="0" indent="-342900" algn="l" rtl="0">
-              <a:spcBef>
-                <a:spcPts val="0"/>
-              </a:spcBef>
-              <a:spcAft>
-                <a:spcPts val="0"/>
-              </a:spcAft>
-              <a:buSzPts val="1800"/>
-              <a:buChar char="●"/>
-            </a:pPr>
-            <a:r>
-              <a:rPr lang="en-GB"/>
-              <a:t>If we look at the chr22 region in zebrafish then all the surrounding genes are the same and RBM20 is likely to be BX649294.1</a:t>
-            </a:r>
-            <a:endParaRPr/>
-          </a:p>
-        </p:txBody>
-      </p:sp>
-      <p:pic>
-        <p:nvPicPr>
-          <p:cNvPr id="402" name="Google Shape;402;p60"/>
-          <p:cNvPicPr preferRelativeResize="0"/>
-          <p:nvPr/>
-        </p:nvPicPr>
-        <p:blipFill>
-          <a:blip r:embed="rId3">
-            <a:alphaModFix/>
-          </a:blip>
-          <a:stretch>
-            <a:fillRect/>
-          </a:stretch>
-        </p:blipFill>
-        <p:spPr>
-          <a:xfrm>
-            <a:off x="1325213" y="3299325"/>
-            <a:ext cx="6401775" cy="1699213"/>
-          </a:xfrm>
-          <a:prstGeom prst="rect">
-            <a:avLst/>
-          </a:prstGeom>
-          <a:noFill/>
-          <a:ln w="19050" cap="flat" cmpd="sng">
-            <a:solidFill>
-              <a:srgbClr val="0D3539"/>
-            </a:solidFill>
-            <a:prstDash val="solid"/>
-            <a:round/>
-            <a:headEnd type="none" w="sm" len="sm"/>
-            <a:tailEnd type="none" w="sm" len="sm"/>
-          </a:ln>
-        </p:spPr>
-      </p:pic>
-      <p:pic>
-        <p:nvPicPr>
-          <p:cNvPr id="403" name="Google Shape;403;p60"/>
-          <p:cNvPicPr preferRelativeResize="0"/>
-          <p:nvPr/>
-        </p:nvPicPr>
-        <p:blipFill>
-          <a:blip r:embed="rId4">
-            <a:alphaModFix/>
-          </a:blip>
-          <a:stretch>
-            <a:fillRect/>
-          </a:stretch>
-        </p:blipFill>
-        <p:spPr>
-          <a:xfrm>
-            <a:off x="152400" y="2203306"/>
-            <a:ext cx="8839199" cy="865094"/>
+            <a:off x="5629175" y="2843550"/>
+            <a:ext cx="3307199" cy="2174500"/>
           </a:xfrm>
           <a:prstGeom prst="rect">
             <a:avLst/>
@@ -9197,7 +10998,7 @@
   <p:cSld>
     <p:spTree>
       <p:nvGrpSpPr>
-        <p:cNvPr id="1" name="Shape 407"/>
+        <p:cNvPr id="1" name="Shape 362"/>
         <p:cNvGrpSpPr/>
         <p:nvPr/>
       </p:nvGrpSpPr>
@@ -9211,7 +11012,7 @@
       </p:grpSpPr>
       <p:sp>
         <p:nvSpPr>
-          <p:cNvPr id="408" name="Google Shape;408;p61"/>
+          <p:cNvPr id="363" name="Google Shape;363;p55"/>
           <p:cNvSpPr txBox="1">
             <a:spLocks noGrp="1"/>
           </p:cNvSpPr>
@@ -9245,7 +11046,7 @@
             </a:pPr>
             <a:r>
               <a:rPr lang="en-GB"/>
-              <a:t>Synteny Example</a:t>
+              <a:t>Compara - Infer Homologues (Orthologues &amp; Paralogues)</a:t>
             </a:r>
             <a:endParaRPr/>
           </a:p>
@@ -9253,7 +11054,7 @@
       </p:sp>
       <p:sp>
         <p:nvSpPr>
-          <p:cNvPr id="409" name="Google Shape;409;p61"/>
+          <p:cNvPr id="364" name="Google Shape;364;p55"/>
           <p:cNvSpPr txBox="1">
             <a:spLocks noGrp="1"/>
           </p:cNvSpPr>
@@ -9263,8 +11064,8 @@
         </p:nvSpPr>
         <p:spPr>
           <a:xfrm>
-            <a:off x="311700" y="1152475"/>
-            <a:ext cx="8520600" cy="771000"/>
+            <a:off x="3461925" y="1149950"/>
+            <a:ext cx="5500800" cy="3728700"/>
           </a:xfrm>
           <a:prstGeom prst="rect">
             <a:avLst/>
@@ -9276,58 +11077,268 @@
           </a:bodyPr>
           <a:lstStyle/>
           <a:p>
-            <a:pPr marL="457200" lvl="0" indent="-342900" algn="l" rtl="0">
-              <a:spcBef>
-                <a:spcPts val="0"/>
-              </a:spcBef>
-              <a:spcAft>
-                <a:spcPts val="0"/>
-              </a:spcAft>
-              <a:buSzPts val="1800"/>
-              <a:buChar char="●"/>
+            <a:pPr marL="0" lvl="0" indent="0" algn="l" rtl="0">
+              <a:spcBef>
+                <a:spcPts val="0"/>
+              </a:spcBef>
+              <a:spcAft>
+                <a:spcPts val="0"/>
+              </a:spcAft>
+              <a:buNone/>
             </a:pPr>
             <a:r>
+              <a:rPr lang="en-GB" b="1"/>
+              <a:t>z1 &amp; z2</a:t>
+            </a:r>
+            <a:r>
               <a:rPr lang="en-GB"/>
-              <a:t>Erroneously labelled as processed transcript and so not in protein gene tree, so not labelled as orthologue or named by orthology</a:t>
+              <a:t> are </a:t>
+            </a:r>
+            <a:r>
+              <a:rPr lang="en-GB" b="1"/>
+              <a:t>paralogues</a:t>
+            </a:r>
+            <a:r>
+              <a:rPr lang="en-GB"/>
+              <a:t> (arose from </a:t>
+            </a:r>
+            <a:r>
+              <a:rPr lang="en-GB" b="1"/>
+              <a:t>duplication</a:t>
+            </a:r>
+            <a:r>
+              <a:rPr lang="en-GB"/>
+              <a:t>), as are </a:t>
+            </a:r>
+            <a:r>
+              <a:rPr lang="en-GB" b="1"/>
+              <a:t>c1 &amp; c2</a:t>
+            </a:r>
+            <a:endParaRPr b="1"/>
+          </a:p>
+          <a:p>
+            <a:pPr marL="0" lvl="0" indent="0" algn="l" rtl="0">
+              <a:spcBef>
+                <a:spcPts val="1200"/>
+              </a:spcBef>
+              <a:spcAft>
+                <a:spcPts val="0"/>
+              </a:spcAft>
+              <a:buNone/>
+            </a:pPr>
+            <a:r>
+              <a:rPr lang="en-GB" b="1"/>
+              <a:t>z1 &amp; c1</a:t>
+            </a:r>
+            <a:r>
+              <a:rPr lang="en-GB"/>
+              <a:t> are </a:t>
+            </a:r>
+            <a:r>
+              <a:rPr lang="en-GB" b="1"/>
+              <a:t>orthologues</a:t>
+            </a:r>
+            <a:r>
+              <a:rPr lang="en-GB"/>
+              <a:t> (arose from </a:t>
+            </a:r>
+            <a:r>
+              <a:rPr lang="en-GB" b="1"/>
+              <a:t>speciation</a:t>
+            </a:r>
+            <a:r>
+              <a:rPr lang="en-GB"/>
+              <a:t>), as are </a:t>
+            </a:r>
+            <a:r>
+              <a:rPr lang="en-GB" b="1"/>
+              <a:t>z2 &amp; c2</a:t>
+            </a:r>
+            <a:r>
+              <a:rPr lang="en-GB"/>
+              <a:t> + </a:t>
+            </a:r>
+            <a:r>
+              <a:rPr lang="en-GB" b="1"/>
+              <a:t>z2 &amp; g</a:t>
+            </a:r>
+            <a:r>
+              <a:rPr lang="en-GB"/>
+              <a:t>, etc…</a:t>
+            </a:r>
+            <a:endParaRPr/>
+          </a:p>
+          <a:p>
+            <a:pPr marL="0" lvl="0" indent="0" algn="l" rtl="0">
+              <a:spcBef>
+                <a:spcPts val="1200"/>
+              </a:spcBef>
+              <a:spcAft>
+                <a:spcPts val="0"/>
+              </a:spcAft>
+              <a:buNone/>
+            </a:pPr>
+            <a:r>
+              <a:rPr lang="en-GB" b="1"/>
+              <a:t>z1 &amp; c1</a:t>
+            </a:r>
+            <a:r>
+              <a:rPr lang="en-GB"/>
+              <a:t> have a </a:t>
+            </a:r>
+            <a:r>
+              <a:rPr lang="en-GB" b="1"/>
+              <a:t>one-to-one</a:t>
+            </a:r>
+            <a:r>
+              <a:rPr lang="en-GB"/>
+              <a:t> relationship</a:t>
+            </a:r>
+            <a:endParaRPr/>
+          </a:p>
+          <a:p>
+            <a:pPr marL="0" lvl="0" indent="0" algn="l" rtl="0">
+              <a:spcBef>
+                <a:spcPts val="1200"/>
+              </a:spcBef>
+              <a:spcAft>
+                <a:spcPts val="0"/>
+              </a:spcAft>
+              <a:buNone/>
+            </a:pPr>
+            <a:r>
+              <a:rPr lang="en-GB" b="1"/>
+              <a:t>g</a:t>
+            </a:r>
+            <a:r>
+              <a:rPr lang="en-GB"/>
+              <a:t> has a </a:t>
+            </a:r>
+            <a:r>
+              <a:rPr lang="en-GB" b="1"/>
+              <a:t>one-to-many</a:t>
+            </a:r>
+            <a:r>
+              <a:rPr lang="en-GB"/>
+              <a:t> relationship to e.g. </a:t>
+            </a:r>
+            <a:r>
+              <a:rPr lang="en-GB" b="1"/>
+              <a:t>z1</a:t>
+            </a:r>
+            <a:r>
+              <a:rPr lang="en-GB"/>
+              <a:t> and </a:t>
+            </a:r>
+            <a:r>
+              <a:rPr lang="en-GB" b="1"/>
+              <a:t>z2</a:t>
+            </a:r>
+            <a:endParaRPr b="1"/>
+          </a:p>
+          <a:p>
+            <a:pPr marL="0" lvl="0" indent="0" algn="l" rtl="0">
+              <a:spcBef>
+                <a:spcPts val="1200"/>
+              </a:spcBef>
+              <a:spcAft>
+                <a:spcPts val="1200"/>
+              </a:spcAft>
+              <a:buNone/>
+            </a:pPr>
+            <a:r>
+              <a:rPr lang="en-GB"/>
+              <a:t>Homologues labelled “</a:t>
+            </a:r>
+            <a:r>
+              <a:rPr lang="en-GB" b="1"/>
+              <a:t>high confidence</a:t>
+            </a:r>
+            <a:r>
+              <a:rPr lang="en-GB"/>
+              <a:t>” are supported by conservation of synteny or whole genome alignment blocks</a:t>
             </a:r>
             <a:endParaRPr/>
           </a:p>
         </p:txBody>
       </p:sp>
-      <p:pic>
-        <p:nvPicPr>
-          <p:cNvPr id="410" name="Google Shape;410;p61"/>
-          <p:cNvPicPr preferRelativeResize="0"/>
+      <p:grpSp>
+        <p:nvGrpSpPr>
+          <p:cNvPr id="365" name="Google Shape;365;p55"/>
+          <p:cNvGrpSpPr/>
           <p:nvPr/>
-        </p:nvPicPr>
-        <p:blipFill>
-          <a:blip r:embed="rId3">
-            <a:alphaModFix/>
-          </a:blip>
-          <a:stretch>
-            <a:fillRect/>
-          </a:stretch>
-        </p:blipFill>
-        <p:spPr>
+        </p:nvGrpSpPr>
+        <p:grpSpPr>
           <a:xfrm>
-            <a:off x="1475513" y="1957625"/>
-            <a:ext cx="6212672" cy="3089225"/>
+            <a:off x="311688" y="1274650"/>
+            <a:ext cx="2982468" cy="2266776"/>
+            <a:chOff x="3080763" y="1170125"/>
+            <a:chExt cx="2982468" cy="2266776"/>
           </a:xfrm>
-          <a:prstGeom prst="rect">
-            <a:avLst/>
-          </a:prstGeom>
-          <a:noFill/>
-          <a:ln w="19050" cap="flat" cmpd="sng">
-            <a:solidFill>
-              <a:srgbClr val="0D3539"/>
-            </a:solidFill>
-            <a:prstDash val="solid"/>
-            <a:round/>
-            <a:headEnd type="none" w="sm" len="sm"/>
-            <a:tailEnd type="none" w="sm" len="sm"/>
-          </a:ln>
-        </p:spPr>
-      </p:pic>
+        </p:grpSpPr>
+        <p:pic>
+          <p:nvPicPr>
+            <p:cNvPr id="366" name="Google Shape;366;p55"/>
+            <p:cNvPicPr preferRelativeResize="0"/>
+            <p:nvPr/>
+          </p:nvPicPr>
+          <p:blipFill>
+            <a:blip r:embed="rId3">
+              <a:alphaModFix/>
+            </a:blip>
+            <a:stretch>
+              <a:fillRect/>
+            </a:stretch>
+          </p:blipFill>
+          <p:spPr>
+            <a:xfrm>
+              <a:off x="3080763" y="1170125"/>
+              <a:ext cx="2982468" cy="2266776"/>
+            </a:xfrm>
+            <a:prstGeom prst="rect">
+              <a:avLst/>
+            </a:prstGeom>
+            <a:noFill/>
+            <a:ln w="19050" cap="flat" cmpd="sng">
+              <a:solidFill>
+                <a:srgbClr val="0D3539"/>
+              </a:solidFill>
+              <a:prstDash val="solid"/>
+              <a:round/>
+              <a:headEnd type="none" w="sm" len="sm"/>
+              <a:tailEnd type="none" w="sm" len="sm"/>
+            </a:ln>
+          </p:spPr>
+        </p:pic>
+        <p:pic>
+          <p:nvPicPr>
+            <p:cNvPr id="367" name="Google Shape;367;p55"/>
+            <p:cNvPicPr preferRelativeResize="0"/>
+            <p:nvPr/>
+          </p:nvPicPr>
+          <p:blipFill>
+            <a:blip r:embed="rId4">
+              <a:alphaModFix/>
+            </a:blip>
+            <a:stretch>
+              <a:fillRect/>
+            </a:stretch>
+          </p:blipFill>
+          <p:spPr>
+            <a:xfrm>
+              <a:off x="3125948" y="1225898"/>
+              <a:ext cx="1039200" cy="551350"/>
+            </a:xfrm>
+            <a:prstGeom prst="rect">
+              <a:avLst/>
+            </a:prstGeom>
+            <a:noFill/>
+            <a:ln>
+              <a:noFill/>
+            </a:ln>
+          </p:spPr>
+        </p:pic>
+      </p:grpSp>
     </p:spTree>
   </p:cSld>
   <p:clrMapOvr>
